--- a/ppt/Swing Project.pptx
+++ b/ppt/Swing Project.pptx
@@ -2,7 +2,7 @@
 <file path=ppt/presentation.xml><?xml version="1.0" encoding="utf-8"?>
 <p:presentation xmlns:a="http://schemas.openxmlformats.org/drawingml/2006/main" xmlns:r="http://schemas.openxmlformats.org/officeDocument/2006/relationships" xmlns:p="http://schemas.openxmlformats.org/presentationml/2006/main" xmlns:p14="http://schemas.microsoft.com/office/powerpoint/2010/main" autoCompressPictures="0">
   <p:sldMasterIdLst>
-    <p:sldMasterId id="2147483936" r:id="rId18"/>
+    <p:sldMasterId id="2147483953" r:id="rId18"/>
   </p:sldMasterIdLst>
   <p:sldIdLst>
     <p:sldId id="256" r:id="rId20"/>
@@ -139,7 +139,7 @@
 </file>
 
 <file path=ppt/slideLayouts/slideLayout1.xml><?xml version="1.0" encoding="utf-8"?>
-<p:sldLayout xmlns:a="http://schemas.openxmlformats.org/drawingml/2006/main" xmlns:r="http://schemas.openxmlformats.org/officeDocument/2006/relationships" xmlns:p="http://schemas.openxmlformats.org/presentationml/2006/main" type="title" preserve="1">
+<p:sldLayout xmlns:a="http://schemas.openxmlformats.org/drawingml/2006/main" xmlns:r="http://schemas.openxmlformats.org/officeDocument/2006/relationships" xmlns:p="http://schemas.openxmlformats.org/presentationml/2006/main" xmlns:p14="http://schemas.microsoft.com/office/powerpoint/2010/main" type="title" preserve="1">
   <p:cSld name="제목 슬라이드">
     <p:spTree>
       <p:nvGrpSpPr>
@@ -167,8 +167,8 @@
         </p:nvSpPr>
         <p:spPr>
           <a:xfrm>
-            <a:off x="2589213" y="2514600"/>
-            <a:ext cx="8915399" cy="2262781"/>
+            <a:off x="2589530" y="2514600"/>
+            <a:ext cx="8915400" cy="2262505"/>
           </a:xfrm>
         </p:spPr>
         <p:txBody>
@@ -201,8 +201,8 @@
         </p:nvSpPr>
         <p:spPr>
           <a:xfrm>
-            <a:off x="2589213" y="4777379"/>
-            <a:ext cx="8915399" cy="1126283"/>
+            <a:off x="2589530" y="4777105"/>
+            <a:ext cx="8915400" cy="1126490"/>
           </a:xfrm>
         </p:spPr>
         <p:txBody>
@@ -319,17 +319,27 @@
             <p:ph type="dt" sz="half" idx="10"/>
           </p:nvPr>
         </p:nvSpPr>
-        <p:spPr/>
-        <p:txBody>
-          <a:bodyPr/>
+        <p:spPr>
+          <a:xfrm>
+            <a:off x="10361295" y="6130290"/>
+            <a:ext cx="1146810" cy="370840"/>
+          </a:xfrm>
+        </p:spPr>
+        <p:txBody>
+          <a:bodyPr wrap="square" lIns="91440" tIns="45720" rIns="91440" bIns="45720" numCol="1" vert="horz" anchor="ctr">
+            <a:noAutofit/>
+          </a:bodyPr>
           <a:lstStyle/>
           <a:p>
-            <a:fld id="{B61BEF0D-F0BB-DE4B-95CE-6DB70DBA9567}" type="datetimeFigureOut">
-              <a:rPr lang="en-US" dirty="0"/>
-              <a:pPr/>
-              <a:t>10/4/2021</a:t>
+            <a:pPr marL="0" indent="0" latinLnBrk="0">
+              <a:buFontTx/>
+              <a:buNone/>
+            </a:pPr>
+            <a:fld id="{B9320F77-B9A0-41C5-862A-B4B631284C64}" type="datetime1">
+              <a:rPr lang="en-GB" altLang="en-US"/>
+              <a:t>10/5/2021</a:t>
             </a:fld>
-            <a:endParaRPr lang="en-US" dirty="0"/>
+            <a:endParaRPr lang="ko-KR" altLang="en-US"/>
           </a:p>
         </p:txBody>
       </p:sp>
@@ -343,7 +353,12 @@
             <p:ph type="ftr" sz="quarter" idx="11"/>
           </p:nvPr>
         </p:nvSpPr>
-        <p:spPr/>
+        <p:spPr>
+          <a:xfrm>
+            <a:off x="2588895" y="6136005"/>
+            <a:ext cx="7620635" cy="365760"/>
+          </a:xfrm>
+        </p:spPr>
         <p:txBody>
           <a:bodyPr/>
           <a:lstStyle/>
@@ -360,8 +375,8 @@
         </p:nvSpPr>
         <p:spPr bwMode="auto">
           <a:xfrm>
-            <a:off x="0" y="4323810"/>
-            <a:ext cx="1744652" cy="778589"/>
+            <a:off x="0" y="4323715"/>
+            <a:ext cx="1744345" cy="778510"/>
           </a:xfrm>
           <a:custGeom>
             <a:avLst/>
@@ -446,8 +461,8 @@
         </p:nvSpPr>
         <p:spPr>
           <a:xfrm>
-            <a:off x="531812" y="4529540"/>
-            <a:ext cx="779767" cy="365125"/>
+            <a:off x="531495" y="4529455"/>
+            <a:ext cx="779780" cy="365125"/>
           </a:xfrm>
         </p:spPr>
         <p:txBody>
@@ -468,11 +483,20 @@
   <p:clrMapOvr>
     <a:masterClrMapping/>
   </p:clrMapOvr>
+  <mc:AlternateContent xmlns:mc="http://schemas.openxmlformats.org/markup-compatibility/2006">
+    <mc:Choice xmlns:p14="http://schemas.microsoft.com/office/powerpoint/2010/main" Requires="p14">
+      <p:transition spd="slow" p14:dur="2000"/>
+    </mc:Choice>
+    <mc:Fallback>
+      <p:transition spd="slow"/>
+    </mc:Fallback>
+  </mc:AlternateContent>
+  <p:hf dt="0" ftr="0"/>
 </p:sldLayout>
 </file>
 
 <file path=ppt/slideLayouts/slideLayout10.xml><?xml version="1.0" encoding="utf-8"?>
-<p:sldLayout xmlns:a="http://schemas.openxmlformats.org/drawingml/2006/main" xmlns:r="http://schemas.openxmlformats.org/officeDocument/2006/relationships" xmlns:p="http://schemas.openxmlformats.org/presentationml/2006/main" preserve="1">
+<p:sldLayout xmlns:a="http://schemas.openxmlformats.org/drawingml/2006/main" xmlns:r="http://schemas.openxmlformats.org/officeDocument/2006/relationships" xmlns:p="http://schemas.openxmlformats.org/presentationml/2006/main" xmlns:p14="http://schemas.microsoft.com/office/powerpoint/2010/main" preserve="1">
   <p:cSld name="제목 및 캡션">
     <p:spTree>
       <p:nvGrpSpPr>
@@ -500,8 +524,8 @@
         </p:nvSpPr>
         <p:spPr>
           <a:xfrm>
-            <a:off x="2589212" y="609600"/>
-            <a:ext cx="8915399" cy="3117040"/>
+            <a:off x="2588895" y="609600"/>
+            <a:ext cx="8915400" cy="3117215"/>
           </a:xfrm>
         </p:spPr>
         <p:txBody>
@@ -534,8 +558,8 @@
         </p:nvSpPr>
         <p:spPr>
           <a:xfrm>
-            <a:off x="2589212" y="4354046"/>
-            <a:ext cx="8915399" cy="1555864"/>
+            <a:off x="2588895" y="4354195"/>
+            <a:ext cx="8915400" cy="1555750"/>
           </a:xfrm>
         </p:spPr>
         <p:txBody>
@@ -654,17 +678,27 @@
             <p:ph type="dt" sz="half" idx="10"/>
           </p:nvPr>
         </p:nvSpPr>
-        <p:spPr/>
-        <p:txBody>
-          <a:bodyPr/>
+        <p:spPr>
+          <a:xfrm>
+            <a:off x="10361295" y="6130290"/>
+            <a:ext cx="1146810" cy="370840"/>
+          </a:xfrm>
+        </p:spPr>
+        <p:txBody>
+          <a:bodyPr wrap="square" lIns="91440" tIns="45720" rIns="91440" bIns="45720" numCol="1" vert="horz" anchor="ctr">
+            <a:noAutofit/>
+          </a:bodyPr>
           <a:lstStyle/>
           <a:p>
-            <a:fld id="{B61BEF0D-F0BB-DE4B-95CE-6DB70DBA9567}" type="datetimeFigureOut">
-              <a:rPr lang="en-US" dirty="0"/>
-              <a:pPr/>
-              <a:t>10/4/2021</a:t>
+            <a:pPr marL="0" indent="0" latinLnBrk="0">
+              <a:buFontTx/>
+              <a:buNone/>
+            </a:pPr>
+            <a:fld id="{B9320F77-B9A0-41C5-862A-B4B631284C64}" type="datetime1">
+              <a:rPr lang="en-GB" altLang="en-US"/>
+              <a:t>10/5/2021</a:t>
             </a:fld>
-            <a:endParaRPr lang="en-US" dirty="0"/>
+            <a:endParaRPr lang="ko-KR" altLang="en-US"/>
           </a:p>
         </p:txBody>
       </p:sp>
@@ -678,7 +712,12 @@
             <p:ph type="ftr" sz="quarter" idx="11"/>
           </p:nvPr>
         </p:nvSpPr>
-        <p:spPr/>
+        <p:spPr>
+          <a:xfrm>
+            <a:off x="2588895" y="6136005"/>
+            <a:ext cx="7620635" cy="365760"/>
+          </a:xfrm>
+        </p:spPr>
         <p:txBody>
           <a:bodyPr/>
           <a:lstStyle/>
@@ -695,8 +734,8 @@
         </p:nvSpPr>
         <p:spPr bwMode="auto">
           <a:xfrm flipV="1">
-            <a:off x="-4189" y="3178175"/>
-            <a:ext cx="1588527" cy="507297"/>
+            <a:off x="-4445" y="3178175"/>
+            <a:ext cx="1588770" cy="507365"/>
           </a:xfrm>
           <a:custGeom>
             <a:avLst/>
@@ -781,8 +820,8 @@
         </p:nvSpPr>
         <p:spPr>
           <a:xfrm>
-            <a:off x="531812" y="3244139"/>
-            <a:ext cx="779767" cy="365125"/>
+            <a:off x="531495" y="3244215"/>
+            <a:ext cx="779780" cy="365125"/>
           </a:xfrm>
         </p:spPr>
         <p:txBody>
@@ -803,11 +842,20 @@
   <p:clrMapOvr>
     <a:masterClrMapping/>
   </p:clrMapOvr>
+  <mc:AlternateContent xmlns:mc="http://schemas.openxmlformats.org/markup-compatibility/2006">
+    <mc:Choice xmlns:p14="http://schemas.microsoft.com/office/powerpoint/2010/main" Requires="p14">
+      <p:transition spd="slow" p14:dur="2000"/>
+    </mc:Choice>
+    <mc:Fallback>
+      <p:transition spd="slow"/>
+    </mc:Fallback>
+  </mc:AlternateContent>
+  <p:hf dt="0" ftr="0"/>
 </p:sldLayout>
 </file>
 
 <file path=ppt/slideLayouts/slideLayout11.xml><?xml version="1.0" encoding="utf-8"?>
-<p:sldLayout xmlns:a="http://schemas.openxmlformats.org/drawingml/2006/main" xmlns:r="http://schemas.openxmlformats.org/officeDocument/2006/relationships" xmlns:p="http://schemas.openxmlformats.org/presentationml/2006/main" preserve="1">
+<p:sldLayout xmlns:a="http://schemas.openxmlformats.org/drawingml/2006/main" xmlns:r="http://schemas.openxmlformats.org/officeDocument/2006/relationships" xmlns:p="http://schemas.openxmlformats.org/presentationml/2006/main" xmlns:p14="http://schemas.microsoft.com/office/powerpoint/2010/main" preserve="1">
   <p:cSld name="캡션 있는 인용문">
     <p:spTree>
       <p:nvGrpSpPr>
@@ -835,8 +883,8 @@
         </p:nvSpPr>
         <p:spPr>
           <a:xfrm>
-            <a:off x="2849949" y="609600"/>
-            <a:ext cx="8393926" cy="2895600"/>
+            <a:off x="2849880" y="609600"/>
+            <a:ext cx="8394065" cy="2895600"/>
           </a:xfrm>
         </p:spPr>
         <p:txBody>
@@ -869,8 +917,8 @@
         </p:nvSpPr>
         <p:spPr>
           <a:xfrm>
-            <a:off x="3275012" y="3505200"/>
-            <a:ext cx="7536554" cy="381000"/>
+            <a:off x="3274695" y="3505200"/>
+            <a:ext cx="7536815" cy="381000"/>
           </a:xfrm>
         </p:spPr>
         <p:txBody>
@@ -932,8 +980,8 @@
         </p:nvSpPr>
         <p:spPr>
           <a:xfrm>
-            <a:off x="2589212" y="4354046"/>
-            <a:ext cx="8915399" cy="1555864"/>
+            <a:off x="2588895" y="4354195"/>
+            <a:ext cx="8915400" cy="1555750"/>
           </a:xfrm>
         </p:spPr>
         <p:txBody>
@@ -1052,17 +1100,27 @@
             <p:ph type="dt" sz="half" idx="10"/>
           </p:nvPr>
         </p:nvSpPr>
-        <p:spPr/>
-        <p:txBody>
-          <a:bodyPr/>
+        <p:spPr>
+          <a:xfrm>
+            <a:off x="10361295" y="6130290"/>
+            <a:ext cx="1146810" cy="370840"/>
+          </a:xfrm>
+        </p:spPr>
+        <p:txBody>
+          <a:bodyPr wrap="square" lIns="91440" tIns="45720" rIns="91440" bIns="45720" numCol="1" vert="horz" anchor="ctr">
+            <a:noAutofit/>
+          </a:bodyPr>
           <a:lstStyle/>
           <a:p>
-            <a:fld id="{B61BEF0D-F0BB-DE4B-95CE-6DB70DBA9567}" type="datetimeFigureOut">
-              <a:rPr lang="en-US" dirty="0"/>
-              <a:pPr/>
-              <a:t>10/4/2021</a:t>
+            <a:pPr marL="0" indent="0" latinLnBrk="0">
+              <a:buFontTx/>
+              <a:buNone/>
+            </a:pPr>
+            <a:fld id="{B9320F77-B9A0-41C5-862A-B4B631284C64}" type="datetime1">
+              <a:rPr lang="en-GB" altLang="en-US"/>
+              <a:t>10/5/2021</a:t>
             </a:fld>
-            <a:endParaRPr lang="en-US" dirty="0"/>
+            <a:endParaRPr lang="ko-KR" altLang="en-US"/>
           </a:p>
         </p:txBody>
       </p:sp>
@@ -1076,7 +1134,12 @@
             <p:ph type="ftr" sz="quarter" idx="11"/>
           </p:nvPr>
         </p:nvSpPr>
-        <p:spPr/>
+        <p:spPr>
+          <a:xfrm>
+            <a:off x="2588895" y="6136005"/>
+            <a:ext cx="7620635" cy="365760"/>
+          </a:xfrm>
+        </p:spPr>
         <p:txBody>
           <a:bodyPr/>
           <a:lstStyle/>
@@ -1093,8 +1156,8 @@
         </p:nvSpPr>
         <p:spPr bwMode="auto">
           <a:xfrm flipV="1">
-            <a:off x="-4189" y="3178175"/>
-            <a:ext cx="1588527" cy="507297"/>
+            <a:off x="-4445" y="3178175"/>
+            <a:ext cx="1588770" cy="507365"/>
           </a:xfrm>
           <a:custGeom>
             <a:avLst/>
@@ -1179,8 +1242,8 @@
         </p:nvSpPr>
         <p:spPr>
           <a:xfrm>
-            <a:off x="531812" y="3244139"/>
-            <a:ext cx="779767" cy="365125"/>
+            <a:off x="531495" y="3244215"/>
+            <a:ext cx="779780" cy="365125"/>
           </a:xfrm>
         </p:spPr>
         <p:txBody>
@@ -1204,8 +1267,8 @@
         </p:nvSpPr>
         <p:spPr>
           <a:xfrm>
-            <a:off x="2467652" y="648005"/>
-            <a:ext cx="609600" cy="584776"/>
+            <a:off x="2467610" y="647700"/>
+            <a:ext cx="609600" cy="584835"/>
           </a:xfrm>
           <a:prstGeom prst="rect">
             <a:avLst/>
@@ -1242,8 +1305,8 @@
         </p:nvSpPr>
         <p:spPr>
           <a:xfrm>
-            <a:off x="11114852" y="2905306"/>
-            <a:ext cx="609600" cy="584776"/>
+            <a:off x="11115040" y="2905125"/>
+            <a:ext cx="609600" cy="584835"/>
           </a:xfrm>
           <a:prstGeom prst="rect">
             <a:avLst/>
@@ -1277,11 +1340,20 @@
   <p:clrMapOvr>
     <a:masterClrMapping/>
   </p:clrMapOvr>
+  <mc:AlternateContent xmlns:mc="http://schemas.openxmlformats.org/markup-compatibility/2006">
+    <mc:Choice xmlns:p14="http://schemas.microsoft.com/office/powerpoint/2010/main" Requires="p14">
+      <p:transition spd="slow" p14:dur="2000"/>
+    </mc:Choice>
+    <mc:Fallback>
+      <p:transition spd="slow"/>
+    </mc:Fallback>
+  </mc:AlternateContent>
+  <p:hf dt="0" ftr="0"/>
 </p:sldLayout>
 </file>
 
 <file path=ppt/slideLayouts/slideLayout12.xml><?xml version="1.0" encoding="utf-8"?>
-<p:sldLayout xmlns:a="http://schemas.openxmlformats.org/drawingml/2006/main" xmlns:r="http://schemas.openxmlformats.org/officeDocument/2006/relationships" xmlns:p="http://schemas.openxmlformats.org/presentationml/2006/main" preserve="1">
+<p:sldLayout xmlns:a="http://schemas.openxmlformats.org/drawingml/2006/main" xmlns:r="http://schemas.openxmlformats.org/officeDocument/2006/relationships" xmlns:p="http://schemas.openxmlformats.org/presentationml/2006/main" xmlns:p14="http://schemas.microsoft.com/office/powerpoint/2010/main" preserve="1">
   <p:cSld name="명함">
     <p:spTree>
       <p:nvGrpSpPr>
@@ -1309,8 +1381,8 @@
         </p:nvSpPr>
         <p:spPr>
           <a:xfrm>
-            <a:off x="2589213" y="2438400"/>
-            <a:ext cx="8915400" cy="2724845"/>
+            <a:off x="2589530" y="2438400"/>
+            <a:ext cx="8915400" cy="2724785"/>
           </a:xfrm>
         </p:spPr>
         <p:txBody>
@@ -1343,8 +1415,8 @@
         </p:nvSpPr>
         <p:spPr>
           <a:xfrm>
-            <a:off x="2589213" y="5181600"/>
-            <a:ext cx="8915400" cy="729622"/>
+            <a:off x="2589530" y="5181600"/>
+            <a:ext cx="8915400" cy="729615"/>
           </a:xfrm>
         </p:spPr>
         <p:txBody>
@@ -1385,17 +1457,27 @@
             <p:ph type="dt" sz="half" idx="10"/>
           </p:nvPr>
         </p:nvSpPr>
-        <p:spPr/>
-        <p:txBody>
-          <a:bodyPr/>
+        <p:spPr>
+          <a:xfrm>
+            <a:off x="10361295" y="6130290"/>
+            <a:ext cx="1146810" cy="370840"/>
+          </a:xfrm>
+        </p:spPr>
+        <p:txBody>
+          <a:bodyPr wrap="square" lIns="91440" tIns="45720" rIns="91440" bIns="45720" numCol="1" vert="horz" anchor="ctr">
+            <a:noAutofit/>
+          </a:bodyPr>
           <a:lstStyle/>
           <a:p>
-            <a:fld id="{B61BEF0D-F0BB-DE4B-95CE-6DB70DBA9567}" type="datetimeFigureOut">
-              <a:rPr lang="en-US" dirty="0"/>
-              <a:pPr/>
-              <a:t>10/4/2021</a:t>
+            <a:pPr marL="0" indent="0" latinLnBrk="0">
+              <a:buFontTx/>
+              <a:buNone/>
+            </a:pPr>
+            <a:fld id="{B9320F77-B9A0-41C5-862A-B4B631284C64}" type="datetime1">
+              <a:rPr lang="en-GB" altLang="en-US"/>
+              <a:t>10/5/2021</a:t>
             </a:fld>
-            <a:endParaRPr lang="en-US" dirty="0"/>
+            <a:endParaRPr lang="ko-KR" altLang="en-US"/>
           </a:p>
         </p:txBody>
       </p:sp>
@@ -1409,7 +1491,12 @@
             <p:ph type="ftr" sz="quarter" idx="11"/>
           </p:nvPr>
         </p:nvSpPr>
-        <p:spPr/>
+        <p:spPr>
+          <a:xfrm>
+            <a:off x="2588895" y="6136005"/>
+            <a:ext cx="7620635" cy="365760"/>
+          </a:xfrm>
+        </p:spPr>
         <p:txBody>
           <a:bodyPr/>
           <a:lstStyle/>
@@ -1426,8 +1513,8 @@
         </p:nvSpPr>
         <p:spPr bwMode="auto">
           <a:xfrm flipV="1">
-            <a:off x="-4189" y="4911725"/>
-            <a:ext cx="1588527" cy="507297"/>
+            <a:off x="-4445" y="4911725"/>
+            <a:ext cx="1588770" cy="507365"/>
           </a:xfrm>
           <a:custGeom>
             <a:avLst/>
@@ -1512,8 +1599,8 @@
         </p:nvSpPr>
         <p:spPr>
           <a:xfrm>
-            <a:off x="531812" y="4983087"/>
-            <a:ext cx="779767" cy="365125"/>
+            <a:off x="531495" y="4982845"/>
+            <a:ext cx="779780" cy="365125"/>
           </a:xfrm>
         </p:spPr>
         <p:txBody>
@@ -1534,11 +1621,20 @@
   <p:clrMapOvr>
     <a:masterClrMapping/>
   </p:clrMapOvr>
+  <mc:AlternateContent xmlns:mc="http://schemas.openxmlformats.org/markup-compatibility/2006">
+    <mc:Choice xmlns:p14="http://schemas.microsoft.com/office/powerpoint/2010/main" Requires="p14">
+      <p:transition spd="slow" p14:dur="2000"/>
+    </mc:Choice>
+    <mc:Fallback>
+      <p:transition spd="slow"/>
+    </mc:Fallback>
+  </mc:AlternateContent>
+  <p:hf dt="0" ftr="0"/>
 </p:sldLayout>
 </file>
 
 <file path=ppt/slideLayouts/slideLayout13.xml><?xml version="1.0" encoding="utf-8"?>
-<p:sldLayout xmlns:a="http://schemas.openxmlformats.org/drawingml/2006/main" xmlns:r="http://schemas.openxmlformats.org/officeDocument/2006/relationships" xmlns:p="http://schemas.openxmlformats.org/presentationml/2006/main" preserve="1">
+<p:sldLayout xmlns:a="http://schemas.openxmlformats.org/drawingml/2006/main" xmlns:r="http://schemas.openxmlformats.org/officeDocument/2006/relationships" xmlns:p="http://schemas.openxmlformats.org/presentationml/2006/main" xmlns:p14="http://schemas.microsoft.com/office/powerpoint/2010/main" preserve="1">
   <p:cSld name="인용문 있는 명함">
     <p:spTree>
       <p:nvGrpSpPr>
@@ -1566,8 +1662,8 @@
         </p:nvSpPr>
         <p:spPr>
           <a:xfrm>
-            <a:off x="2849949" y="609600"/>
-            <a:ext cx="8393926" cy="2895600"/>
+            <a:off x="2849880" y="609600"/>
+            <a:ext cx="8394065" cy="2895600"/>
           </a:xfrm>
         </p:spPr>
         <p:txBody>
@@ -1600,7 +1696,7 @@
         </p:nvSpPr>
         <p:spPr>
           <a:xfrm>
-            <a:off x="2589212" y="4343400"/>
+            <a:off x="2588895" y="4343400"/>
             <a:ext cx="8915400" cy="838200"/>
           </a:xfrm>
         </p:spPr>
@@ -1660,8 +1756,8 @@
         </p:nvSpPr>
         <p:spPr>
           <a:xfrm>
-            <a:off x="2589213" y="5181600"/>
-            <a:ext cx="8915400" cy="729622"/>
+            <a:off x="2589530" y="5181600"/>
+            <a:ext cx="8915400" cy="729615"/>
           </a:xfrm>
         </p:spPr>
         <p:txBody>
@@ -1702,17 +1798,27 @@
             <p:ph type="dt" sz="half" idx="10"/>
           </p:nvPr>
         </p:nvSpPr>
-        <p:spPr/>
-        <p:txBody>
-          <a:bodyPr/>
+        <p:spPr>
+          <a:xfrm>
+            <a:off x="10361295" y="6130290"/>
+            <a:ext cx="1146810" cy="370840"/>
+          </a:xfrm>
+        </p:spPr>
+        <p:txBody>
+          <a:bodyPr wrap="square" lIns="91440" tIns="45720" rIns="91440" bIns="45720" numCol="1" vert="horz" anchor="ctr">
+            <a:noAutofit/>
+          </a:bodyPr>
           <a:lstStyle/>
           <a:p>
-            <a:fld id="{B61BEF0D-F0BB-DE4B-95CE-6DB70DBA9567}" type="datetimeFigureOut">
-              <a:rPr lang="en-US" dirty="0"/>
-              <a:pPr/>
-              <a:t>10/4/2021</a:t>
+            <a:pPr marL="0" indent="0" latinLnBrk="0">
+              <a:buFontTx/>
+              <a:buNone/>
+            </a:pPr>
+            <a:fld id="{B9320F77-B9A0-41C5-862A-B4B631284C64}" type="datetime1">
+              <a:rPr lang="en-GB" altLang="en-US"/>
+              <a:t>10/5/2021</a:t>
             </a:fld>
-            <a:endParaRPr lang="en-US" dirty="0"/>
+            <a:endParaRPr lang="ko-KR" altLang="en-US"/>
           </a:p>
         </p:txBody>
       </p:sp>
@@ -1726,7 +1832,12 @@
             <p:ph type="ftr" sz="quarter" idx="11"/>
           </p:nvPr>
         </p:nvSpPr>
-        <p:spPr/>
+        <p:spPr>
+          <a:xfrm>
+            <a:off x="2588895" y="6136005"/>
+            <a:ext cx="7620635" cy="365760"/>
+          </a:xfrm>
+        </p:spPr>
         <p:txBody>
           <a:bodyPr/>
           <a:lstStyle/>
@@ -1743,8 +1854,8 @@
         </p:nvSpPr>
         <p:spPr bwMode="auto">
           <a:xfrm flipV="1">
-            <a:off x="-4189" y="4911725"/>
-            <a:ext cx="1588527" cy="507297"/>
+            <a:off x="-4445" y="4911725"/>
+            <a:ext cx="1588770" cy="507365"/>
           </a:xfrm>
           <a:custGeom>
             <a:avLst/>
@@ -1829,8 +1940,8 @@
         </p:nvSpPr>
         <p:spPr>
           <a:xfrm>
-            <a:off x="531812" y="4983087"/>
-            <a:ext cx="779767" cy="365125"/>
+            <a:off x="531495" y="4982845"/>
+            <a:ext cx="779780" cy="365125"/>
           </a:xfrm>
         </p:spPr>
         <p:txBody>
@@ -1854,8 +1965,8 @@
         </p:nvSpPr>
         <p:spPr>
           <a:xfrm>
-            <a:off x="2467652" y="648005"/>
-            <a:ext cx="609600" cy="584776"/>
+            <a:off x="2467610" y="647700"/>
+            <a:ext cx="609600" cy="584835"/>
           </a:xfrm>
           <a:prstGeom prst="rect">
             <a:avLst/>
@@ -1892,8 +2003,8 @@
         </p:nvSpPr>
         <p:spPr>
           <a:xfrm>
-            <a:off x="11114852" y="2905306"/>
-            <a:ext cx="609600" cy="584776"/>
+            <a:off x="11115040" y="2905125"/>
+            <a:ext cx="609600" cy="584835"/>
           </a:xfrm>
           <a:prstGeom prst="rect">
             <a:avLst/>
@@ -1927,11 +2038,20 @@
   <p:clrMapOvr>
     <a:masterClrMapping/>
   </p:clrMapOvr>
+  <mc:AlternateContent xmlns:mc="http://schemas.openxmlformats.org/markup-compatibility/2006">
+    <mc:Choice xmlns:p14="http://schemas.microsoft.com/office/powerpoint/2010/main" Requires="p14">
+      <p:transition spd="slow" p14:dur="2000"/>
+    </mc:Choice>
+    <mc:Fallback>
+      <p:transition spd="slow"/>
+    </mc:Fallback>
+  </mc:AlternateContent>
+  <p:hf dt="0" ftr="0"/>
 </p:sldLayout>
 </file>
 
 <file path=ppt/slideLayouts/slideLayout14.xml><?xml version="1.0" encoding="utf-8"?>
-<p:sldLayout xmlns:a="http://schemas.openxmlformats.org/drawingml/2006/main" xmlns:r="http://schemas.openxmlformats.org/officeDocument/2006/relationships" xmlns:p="http://schemas.openxmlformats.org/presentationml/2006/main" preserve="1">
+<p:sldLayout xmlns:a="http://schemas.openxmlformats.org/drawingml/2006/main" xmlns:r="http://schemas.openxmlformats.org/officeDocument/2006/relationships" xmlns:p="http://schemas.openxmlformats.org/presentationml/2006/main" xmlns:p14="http://schemas.microsoft.com/office/powerpoint/2010/main" preserve="1">
   <p:cSld name="참 또는 거짓">
     <p:spTree>
       <p:nvGrpSpPr>
@@ -1959,8 +2079,8 @@
         </p:nvSpPr>
         <p:spPr>
           <a:xfrm>
-            <a:off x="2589212" y="627407"/>
-            <a:ext cx="8915399" cy="2880020"/>
+            <a:off x="2588895" y="627380"/>
+            <a:ext cx="8915400" cy="2879725"/>
           </a:xfrm>
         </p:spPr>
         <p:txBody>
@@ -1993,7 +2113,7 @@
         </p:nvSpPr>
         <p:spPr>
           <a:xfrm>
-            <a:off x="2589212" y="4343400"/>
+            <a:off x="2588895" y="4343400"/>
             <a:ext cx="8915400" cy="838200"/>
           </a:xfrm>
         </p:spPr>
@@ -2053,8 +2173,8 @@
         </p:nvSpPr>
         <p:spPr>
           <a:xfrm>
-            <a:off x="2589213" y="5181600"/>
-            <a:ext cx="8915400" cy="729622"/>
+            <a:off x="2589530" y="5181600"/>
+            <a:ext cx="8915400" cy="729615"/>
           </a:xfrm>
         </p:spPr>
         <p:txBody>
@@ -2095,17 +2215,27 @@
             <p:ph type="dt" sz="half" idx="10"/>
           </p:nvPr>
         </p:nvSpPr>
-        <p:spPr/>
-        <p:txBody>
-          <a:bodyPr/>
+        <p:spPr>
+          <a:xfrm>
+            <a:off x="10361295" y="6130290"/>
+            <a:ext cx="1146810" cy="370840"/>
+          </a:xfrm>
+        </p:spPr>
+        <p:txBody>
+          <a:bodyPr wrap="square" lIns="91440" tIns="45720" rIns="91440" bIns="45720" numCol="1" vert="horz" anchor="ctr">
+            <a:noAutofit/>
+          </a:bodyPr>
           <a:lstStyle/>
           <a:p>
-            <a:fld id="{B61BEF0D-F0BB-DE4B-95CE-6DB70DBA9567}" type="datetimeFigureOut">
-              <a:rPr lang="en-US" dirty="0"/>
-              <a:pPr/>
-              <a:t>10/4/2021</a:t>
+            <a:pPr marL="0" indent="0" latinLnBrk="0">
+              <a:buFontTx/>
+              <a:buNone/>
+            </a:pPr>
+            <a:fld id="{B9320F77-B9A0-41C5-862A-B4B631284C64}" type="datetime1">
+              <a:rPr lang="en-GB" altLang="en-US"/>
+              <a:t>10/5/2021</a:t>
             </a:fld>
-            <a:endParaRPr lang="en-US" dirty="0"/>
+            <a:endParaRPr lang="ko-KR" altLang="en-US"/>
           </a:p>
         </p:txBody>
       </p:sp>
@@ -2119,7 +2249,12 @@
             <p:ph type="ftr" sz="quarter" idx="11"/>
           </p:nvPr>
         </p:nvSpPr>
-        <p:spPr/>
+        <p:spPr>
+          <a:xfrm>
+            <a:off x="2588895" y="6136005"/>
+            <a:ext cx="7620635" cy="365760"/>
+          </a:xfrm>
+        </p:spPr>
         <p:txBody>
           <a:bodyPr/>
           <a:lstStyle/>
@@ -2136,8 +2271,8 @@
         </p:nvSpPr>
         <p:spPr bwMode="auto">
           <a:xfrm flipV="1">
-            <a:off x="-4189" y="4911725"/>
-            <a:ext cx="1588527" cy="507297"/>
+            <a:off x="-4445" y="4911725"/>
+            <a:ext cx="1588770" cy="507365"/>
           </a:xfrm>
           <a:custGeom>
             <a:avLst/>
@@ -2222,8 +2357,8 @@
         </p:nvSpPr>
         <p:spPr>
           <a:xfrm>
-            <a:off x="531812" y="4983087"/>
-            <a:ext cx="779767" cy="365125"/>
+            <a:off x="531495" y="4982845"/>
+            <a:ext cx="779780" cy="365125"/>
           </a:xfrm>
         </p:spPr>
         <p:txBody>
@@ -2244,11 +2379,20 @@
   <p:clrMapOvr>
     <a:masterClrMapping/>
   </p:clrMapOvr>
+  <mc:AlternateContent xmlns:mc="http://schemas.openxmlformats.org/markup-compatibility/2006">
+    <mc:Choice xmlns:p14="http://schemas.microsoft.com/office/powerpoint/2010/main" Requires="p14">
+      <p:transition spd="slow" p14:dur="2000"/>
+    </mc:Choice>
+    <mc:Fallback>
+      <p:transition spd="slow"/>
+    </mc:Fallback>
+  </mc:AlternateContent>
+  <p:hf dt="0" ftr="0"/>
 </p:sldLayout>
 </file>
 
 <file path=ppt/slideLayouts/slideLayout15.xml><?xml version="1.0" encoding="utf-8"?>
-<p:sldLayout xmlns:a="http://schemas.openxmlformats.org/drawingml/2006/main" xmlns:r="http://schemas.openxmlformats.org/officeDocument/2006/relationships" xmlns:p="http://schemas.openxmlformats.org/presentationml/2006/main" type="vertTx" preserve="1">
+<p:sldLayout xmlns:a="http://schemas.openxmlformats.org/drawingml/2006/main" xmlns:r="http://schemas.openxmlformats.org/officeDocument/2006/relationships" xmlns:p="http://schemas.openxmlformats.org/presentationml/2006/main" xmlns:p14="http://schemas.microsoft.com/office/powerpoint/2010/main" type="vertTx" preserve="1">
   <p:cSld name="제목 및 세로 텍스트">
     <p:spTree>
       <p:nvGrpSpPr>
@@ -2274,7 +2418,12 @@
             <p:ph type="title"/>
           </p:nvPr>
         </p:nvSpPr>
-        <p:spPr/>
+        <p:spPr>
+          <a:xfrm>
+            <a:off x="2592705" y="624205"/>
+            <a:ext cx="8912225" cy="1281430"/>
+          </a:xfrm>
+        </p:spPr>
         <p:txBody>
           <a:bodyPr/>
           <a:lstStyle/>
@@ -2297,7 +2446,12 @@
             <p:ph type="body" orient="vert" idx="1"/>
           </p:nvPr>
         </p:nvSpPr>
-        <p:spPr/>
+        <p:spPr>
+          <a:xfrm>
+            <a:off x="2588895" y="2133600"/>
+            <a:ext cx="8916035" cy="3886835"/>
+          </a:xfrm>
+        </p:spPr>
         <p:txBody>
           <a:bodyPr vert="eaVert" anchor="t"/>
           <a:lstStyle/>
@@ -2349,17 +2503,27 @@
             <p:ph type="dt" sz="half" idx="10"/>
           </p:nvPr>
         </p:nvSpPr>
-        <p:spPr/>
-        <p:txBody>
-          <a:bodyPr/>
+        <p:spPr>
+          <a:xfrm>
+            <a:off x="10361295" y="6130290"/>
+            <a:ext cx="1146810" cy="370840"/>
+          </a:xfrm>
+        </p:spPr>
+        <p:txBody>
+          <a:bodyPr wrap="square" lIns="91440" tIns="45720" rIns="91440" bIns="45720" numCol="1" vert="horz" anchor="ctr">
+            <a:noAutofit/>
+          </a:bodyPr>
           <a:lstStyle/>
           <a:p>
-            <a:fld id="{B61BEF0D-F0BB-DE4B-95CE-6DB70DBA9567}" type="datetimeFigureOut">
-              <a:rPr lang="en-US" dirty="0"/>
-              <a:pPr/>
-              <a:t>10/4/2021</a:t>
+            <a:pPr marL="0" indent="0" latinLnBrk="0">
+              <a:buFontTx/>
+              <a:buNone/>
+            </a:pPr>
+            <a:fld id="{B9320F77-B9A0-41C5-862A-B4B631284C64}" type="datetime1">
+              <a:rPr lang="en-GB" altLang="en-US"/>
+              <a:t>10/5/2021</a:t>
             </a:fld>
-            <a:endParaRPr lang="en-US" dirty="0"/>
+            <a:endParaRPr lang="ko-KR" altLang="en-US"/>
           </a:p>
         </p:txBody>
       </p:sp>
@@ -2373,7 +2537,12 @@
             <p:ph type="ftr" sz="quarter" idx="11"/>
           </p:nvPr>
         </p:nvSpPr>
-        <p:spPr/>
+        <p:spPr>
+          <a:xfrm>
+            <a:off x="2588895" y="6136005"/>
+            <a:ext cx="7620635" cy="365760"/>
+          </a:xfrm>
+        </p:spPr>
         <p:txBody>
           <a:bodyPr/>
           <a:lstStyle/>
@@ -2390,8 +2559,8 @@
         </p:nvSpPr>
         <p:spPr bwMode="auto">
           <a:xfrm flipV="1">
-            <a:off x="-4189" y="714375"/>
-            <a:ext cx="1588527" cy="507297"/>
+            <a:off x="-4445" y="714375"/>
+            <a:ext cx="1588770" cy="507365"/>
           </a:xfrm>
           <a:custGeom>
             <a:avLst/>
@@ -2474,7 +2643,12 @@
             <p:ph type="sldNum" sz="quarter" idx="12"/>
           </p:nvPr>
         </p:nvSpPr>
-        <p:spPr/>
+        <p:spPr>
+          <a:xfrm>
+            <a:off x="531495" y="788035"/>
+            <a:ext cx="780415" cy="365760"/>
+          </a:xfrm>
+        </p:spPr>
         <p:txBody>
           <a:bodyPr/>
           <a:lstStyle/>
@@ -2493,11 +2667,20 @@
   <p:clrMapOvr>
     <a:masterClrMapping/>
   </p:clrMapOvr>
+  <mc:AlternateContent xmlns:mc="http://schemas.openxmlformats.org/markup-compatibility/2006">
+    <mc:Choice xmlns:p14="http://schemas.microsoft.com/office/powerpoint/2010/main" Requires="p14">
+      <p:transition spd="slow" p14:dur="2000"/>
+    </mc:Choice>
+    <mc:Fallback>
+      <p:transition spd="slow"/>
+    </mc:Fallback>
+  </mc:AlternateContent>
+  <p:hf dt="0" ftr="0"/>
 </p:sldLayout>
 </file>
 
 <file path=ppt/slideLayouts/slideLayout16.xml><?xml version="1.0" encoding="utf-8"?>
-<p:sldLayout xmlns:a="http://schemas.openxmlformats.org/drawingml/2006/main" xmlns:r="http://schemas.openxmlformats.org/officeDocument/2006/relationships" xmlns:p="http://schemas.openxmlformats.org/presentationml/2006/main" type="vertTitleAndTx" preserve="1">
+<p:sldLayout xmlns:a="http://schemas.openxmlformats.org/drawingml/2006/main" xmlns:r="http://schemas.openxmlformats.org/officeDocument/2006/relationships" xmlns:p="http://schemas.openxmlformats.org/presentationml/2006/main" xmlns:p14="http://schemas.microsoft.com/office/powerpoint/2010/main" type="vertTitleAndTx" preserve="1">
   <p:cSld name="세로 제목 및 텍스트">
     <p:spTree>
       <p:nvGrpSpPr>
@@ -2525,8 +2708,8 @@
         </p:nvSpPr>
         <p:spPr>
           <a:xfrm>
-            <a:off x="9294812" y="627405"/>
-            <a:ext cx="2207601" cy="5283817"/>
+            <a:off x="9294495" y="627380"/>
+            <a:ext cx="2207895" cy="5283835"/>
           </a:xfrm>
         </p:spPr>
         <p:txBody>
@@ -2553,8 +2736,8 @@
         </p:nvSpPr>
         <p:spPr>
           <a:xfrm>
-            <a:off x="2589212" y="627405"/>
-            <a:ext cx="6477000" cy="5283817"/>
+            <a:off x="2588895" y="627380"/>
+            <a:ext cx="6477000" cy="5283835"/>
           </a:xfrm>
         </p:spPr>
         <p:txBody>
@@ -2608,17 +2791,27 @@
             <p:ph type="dt" sz="half" idx="10"/>
           </p:nvPr>
         </p:nvSpPr>
-        <p:spPr/>
-        <p:txBody>
-          <a:bodyPr/>
+        <p:spPr>
+          <a:xfrm>
+            <a:off x="10361295" y="6130290"/>
+            <a:ext cx="1146810" cy="370840"/>
+          </a:xfrm>
+        </p:spPr>
+        <p:txBody>
+          <a:bodyPr wrap="square" lIns="91440" tIns="45720" rIns="91440" bIns="45720" numCol="1" vert="horz" anchor="ctr">
+            <a:noAutofit/>
+          </a:bodyPr>
           <a:lstStyle/>
           <a:p>
-            <a:fld id="{B61BEF0D-F0BB-DE4B-95CE-6DB70DBA9567}" type="datetimeFigureOut">
-              <a:rPr lang="en-US" dirty="0"/>
-              <a:pPr/>
-              <a:t>10/4/2021</a:t>
+            <a:pPr marL="0" indent="0" latinLnBrk="0">
+              <a:buFontTx/>
+              <a:buNone/>
+            </a:pPr>
+            <a:fld id="{B9320F77-B9A0-41C5-862A-B4B631284C64}" type="datetime1">
+              <a:rPr lang="en-GB" altLang="en-US"/>
+              <a:t>10/5/2021</a:t>
             </a:fld>
-            <a:endParaRPr lang="en-US" dirty="0"/>
+            <a:endParaRPr lang="ko-KR" altLang="en-US"/>
           </a:p>
         </p:txBody>
       </p:sp>
@@ -2632,7 +2825,12 @@
             <p:ph type="ftr" sz="quarter" idx="11"/>
           </p:nvPr>
         </p:nvSpPr>
-        <p:spPr/>
+        <p:spPr>
+          <a:xfrm>
+            <a:off x="2588895" y="6136005"/>
+            <a:ext cx="7620635" cy="365760"/>
+          </a:xfrm>
+        </p:spPr>
         <p:txBody>
           <a:bodyPr/>
           <a:lstStyle/>
@@ -2649,8 +2847,8 @@
         </p:nvSpPr>
         <p:spPr bwMode="auto">
           <a:xfrm flipV="1">
-            <a:off x="-4189" y="714375"/>
-            <a:ext cx="1588527" cy="507297"/>
+            <a:off x="-4445" y="714375"/>
+            <a:ext cx="1588770" cy="507365"/>
           </a:xfrm>
           <a:custGeom>
             <a:avLst/>
@@ -2733,7 +2931,12 @@
             <p:ph type="sldNum" sz="quarter" idx="12"/>
           </p:nvPr>
         </p:nvSpPr>
-        <p:spPr/>
+        <p:spPr>
+          <a:xfrm>
+            <a:off x="531495" y="788035"/>
+            <a:ext cx="780415" cy="365760"/>
+          </a:xfrm>
+        </p:spPr>
         <p:txBody>
           <a:bodyPr/>
           <a:lstStyle/>
@@ -2752,6 +2955,15 @@
   <p:clrMapOvr>
     <a:masterClrMapping/>
   </p:clrMapOvr>
+  <mc:AlternateContent xmlns:mc="http://schemas.openxmlformats.org/markup-compatibility/2006">
+    <mc:Choice xmlns:p14="http://schemas.microsoft.com/office/powerpoint/2010/main" Requires="p14">
+      <p:transition spd="slow" p14:dur="2000"/>
+    </mc:Choice>
+    <mc:Fallback>
+      <p:transition spd="slow"/>
+    </mc:Fallback>
+  </mc:AlternateContent>
+  <p:hf dt="0" ftr="0"/>
 </p:sldLayout>
 </file>
 
@@ -2870,19 +3082,24 @@
         <p:spPr>
           <a:xfrm>
             <a:off x="10361295" y="6130290"/>
-            <a:ext cx="1146810" cy="370840"/>
-          </a:xfrm>
-        </p:spPr>
-        <p:txBody>
-          <a:bodyPr/>
+            <a:ext cx="1147445" cy="371475"/>
+          </a:xfrm>
+        </p:spPr>
+        <p:txBody>
+          <a:bodyPr wrap="square" lIns="91440" tIns="45720" rIns="91440" bIns="45720" numCol="1" vert="horz" anchor="ctr">
+            <a:noAutofit/>
+          </a:bodyPr>
           <a:lstStyle/>
           <a:p>
-            <a:fld id="{B61BEF0D-F0BB-DE4B-95CE-6DB70DBA9567}" type="datetimeFigureOut">
-              <a:rPr lang="en-US" dirty="0"/>
-              <a:pPr/>
-              <a:t>10/4/2021</a:t>
+            <a:pPr marL="0" indent="0" latinLnBrk="0">
+              <a:buFontTx/>
+              <a:buNone/>
+            </a:pPr>
+            <a:fld id="{B9320F77-B9A0-41C5-862A-B4B631284C64}" type="datetime1">
+              <a:rPr lang="en-GB" altLang="en-US"/>
+              <a:t>10/5/2021</a:t>
             </a:fld>
-            <a:endParaRPr lang="en-US" dirty="0"/>
+            <a:endParaRPr lang="ko-KR" altLang="en-US"/>
           </a:p>
         </p:txBody>
       </p:sp>
@@ -3034,11 +3251,12 @@
       <p:transition spd="slow"/>
     </mc:Fallback>
   </mc:AlternateContent>
+  <p:hf dt="0" ftr="0"/>
 </p:sldLayout>
 </file>
 
 <file path=ppt/slideLayouts/slideLayout3.xml><?xml version="1.0" encoding="utf-8"?>
-<p:sldLayout xmlns:a="http://schemas.openxmlformats.org/drawingml/2006/main" xmlns:r="http://schemas.openxmlformats.org/officeDocument/2006/relationships" xmlns:p="http://schemas.openxmlformats.org/presentationml/2006/main" type="secHead" preserve="1">
+<p:sldLayout xmlns:a="http://schemas.openxmlformats.org/drawingml/2006/main" xmlns:r="http://schemas.openxmlformats.org/officeDocument/2006/relationships" xmlns:p="http://schemas.openxmlformats.org/presentationml/2006/main" xmlns:p14="http://schemas.microsoft.com/office/powerpoint/2010/main" type="secHead" preserve="1">
   <p:cSld name="구역 머리글">
     <p:spTree>
       <p:nvGrpSpPr>
@@ -3066,8 +3284,8 @@
         </p:nvSpPr>
         <p:spPr>
           <a:xfrm>
-            <a:off x="2589212" y="2058750"/>
-            <a:ext cx="8915399" cy="1468800"/>
+            <a:off x="2588895" y="2058670"/>
+            <a:ext cx="8915400" cy="1468755"/>
           </a:xfrm>
         </p:spPr>
         <p:txBody>
@@ -3098,8 +3316,8 @@
         </p:nvSpPr>
         <p:spPr>
           <a:xfrm>
-            <a:off x="2589212" y="3530129"/>
-            <a:ext cx="8915399" cy="860400"/>
+            <a:off x="2588895" y="3529965"/>
+            <a:ext cx="8915400" cy="860425"/>
           </a:xfrm>
         </p:spPr>
         <p:txBody>
@@ -3216,17 +3434,27 @@
             <p:ph type="dt" sz="half" idx="10"/>
           </p:nvPr>
         </p:nvSpPr>
-        <p:spPr/>
-        <p:txBody>
-          <a:bodyPr/>
+        <p:spPr>
+          <a:xfrm>
+            <a:off x="10361295" y="6130290"/>
+            <a:ext cx="1146810" cy="370840"/>
+          </a:xfrm>
+        </p:spPr>
+        <p:txBody>
+          <a:bodyPr wrap="square" lIns="91440" tIns="45720" rIns="91440" bIns="45720" numCol="1" vert="horz" anchor="ctr">
+            <a:noAutofit/>
+          </a:bodyPr>
           <a:lstStyle/>
           <a:p>
-            <a:fld id="{B61BEF0D-F0BB-DE4B-95CE-6DB70DBA9567}" type="datetimeFigureOut">
-              <a:rPr lang="en-US" dirty="0"/>
-              <a:pPr/>
-              <a:t>10/4/2021</a:t>
+            <a:pPr marL="0" indent="0" latinLnBrk="0">
+              <a:buFontTx/>
+              <a:buNone/>
+            </a:pPr>
+            <a:fld id="{B9320F77-B9A0-41C5-862A-B4B631284C64}" type="datetime1">
+              <a:rPr lang="en-GB" altLang="en-US"/>
+              <a:t>10/5/2021</a:t>
             </a:fld>
-            <a:endParaRPr lang="en-US" dirty="0"/>
+            <a:endParaRPr lang="ko-KR" altLang="en-US"/>
           </a:p>
         </p:txBody>
       </p:sp>
@@ -3240,7 +3468,12 @@
             <p:ph type="ftr" sz="quarter" idx="11"/>
           </p:nvPr>
         </p:nvSpPr>
-        <p:spPr/>
+        <p:spPr>
+          <a:xfrm>
+            <a:off x="2588895" y="6136005"/>
+            <a:ext cx="7620635" cy="365760"/>
+          </a:xfrm>
+        </p:spPr>
         <p:txBody>
           <a:bodyPr/>
           <a:lstStyle/>
@@ -3257,8 +3490,8 @@
         </p:nvSpPr>
         <p:spPr bwMode="auto">
           <a:xfrm flipV="1">
-            <a:off x="-4189" y="3178175"/>
-            <a:ext cx="1588527" cy="507297"/>
+            <a:off x="-4445" y="3178175"/>
+            <a:ext cx="1588770" cy="507365"/>
           </a:xfrm>
           <a:custGeom>
             <a:avLst/>
@@ -3343,8 +3576,8 @@
         </p:nvSpPr>
         <p:spPr>
           <a:xfrm>
-            <a:off x="531812" y="3244139"/>
-            <a:ext cx="779767" cy="365125"/>
+            <a:off x="531495" y="3244215"/>
+            <a:ext cx="779780" cy="365125"/>
           </a:xfrm>
         </p:spPr>
         <p:txBody>
@@ -3365,11 +3598,20 @@
   <p:clrMapOvr>
     <a:masterClrMapping/>
   </p:clrMapOvr>
+  <mc:AlternateContent xmlns:mc="http://schemas.openxmlformats.org/markup-compatibility/2006">
+    <mc:Choice xmlns:p14="http://schemas.microsoft.com/office/powerpoint/2010/main" Requires="p14">
+      <p:transition spd="slow" p14:dur="2000"/>
+    </mc:Choice>
+    <mc:Fallback>
+      <p:transition spd="slow"/>
+    </mc:Fallback>
+  </mc:AlternateContent>
+  <p:hf dt="0" ftr="0"/>
 </p:sldLayout>
 </file>
 
 <file path=ppt/slideLayouts/slideLayout4.xml><?xml version="1.0" encoding="utf-8"?>
-<p:sldLayout xmlns:a="http://schemas.openxmlformats.org/drawingml/2006/main" xmlns:r="http://schemas.openxmlformats.org/officeDocument/2006/relationships" xmlns:p="http://schemas.openxmlformats.org/presentationml/2006/main" type="twoObj" preserve="1">
+<p:sldLayout xmlns:a="http://schemas.openxmlformats.org/drawingml/2006/main" xmlns:r="http://schemas.openxmlformats.org/officeDocument/2006/relationships" xmlns:p="http://schemas.openxmlformats.org/presentationml/2006/main" xmlns:p14="http://schemas.microsoft.com/office/powerpoint/2010/main" type="twoObj" preserve="1">
   <p:cSld name="콘텐츠 2개">
     <p:spTree>
       <p:nvGrpSpPr>
@@ -3395,7 +3637,12 @@
             <p:ph type="title"/>
           </p:nvPr>
         </p:nvSpPr>
-        <p:spPr/>
+        <p:spPr>
+          <a:xfrm>
+            <a:off x="2592705" y="624205"/>
+            <a:ext cx="8912225" cy="1281430"/>
+          </a:xfrm>
+        </p:spPr>
         <p:txBody>
           <a:bodyPr/>
           <a:lstStyle/>
@@ -3420,8 +3667,8 @@
         </p:nvSpPr>
         <p:spPr>
           <a:xfrm>
-            <a:off x="2589212" y="2133600"/>
-            <a:ext cx="4313864" cy="3777622"/>
+            <a:off x="2588895" y="2133600"/>
+            <a:ext cx="4313555" cy="3777615"/>
           </a:xfrm>
         </p:spPr>
         <p:txBody>
@@ -3479,8 +3726,8 @@
         </p:nvSpPr>
         <p:spPr>
           <a:xfrm>
-            <a:off x="7190747" y="2126222"/>
-            <a:ext cx="4313864" cy="3777622"/>
+            <a:off x="7190740" y="2125980"/>
+            <a:ext cx="4313555" cy="3777615"/>
           </a:xfrm>
         </p:spPr>
         <p:txBody>
@@ -3536,17 +3783,27 @@
             <p:ph type="dt" sz="half" idx="10"/>
           </p:nvPr>
         </p:nvSpPr>
-        <p:spPr/>
-        <p:txBody>
-          <a:bodyPr/>
+        <p:spPr>
+          <a:xfrm>
+            <a:off x="10361295" y="6130290"/>
+            <a:ext cx="1146810" cy="370840"/>
+          </a:xfrm>
+        </p:spPr>
+        <p:txBody>
+          <a:bodyPr wrap="square" lIns="91440" tIns="45720" rIns="91440" bIns="45720" numCol="1" vert="horz" anchor="ctr">
+            <a:noAutofit/>
+          </a:bodyPr>
           <a:lstStyle/>
           <a:p>
-            <a:fld id="{B61BEF0D-F0BB-DE4B-95CE-6DB70DBA9567}" type="datetimeFigureOut">
-              <a:rPr lang="en-US" dirty="0"/>
-              <a:pPr/>
-              <a:t>10/4/2021</a:t>
+            <a:pPr marL="0" indent="0" latinLnBrk="0">
+              <a:buFontTx/>
+              <a:buNone/>
+            </a:pPr>
+            <a:fld id="{B9320F77-B9A0-41C5-862A-B4B631284C64}" type="datetime1">
+              <a:rPr lang="en-GB" altLang="en-US"/>
+              <a:t>10/5/2021</a:t>
             </a:fld>
-            <a:endParaRPr lang="en-US" dirty="0"/>
+            <a:endParaRPr lang="ko-KR" altLang="en-US"/>
           </a:p>
         </p:txBody>
       </p:sp>
@@ -3560,7 +3817,12 @@
             <p:ph type="ftr" sz="quarter" idx="11"/>
           </p:nvPr>
         </p:nvSpPr>
-        <p:spPr/>
+        <p:spPr>
+          <a:xfrm>
+            <a:off x="2588895" y="6136005"/>
+            <a:ext cx="7620635" cy="365760"/>
+          </a:xfrm>
+        </p:spPr>
         <p:txBody>
           <a:bodyPr/>
           <a:lstStyle/>
@@ -3577,8 +3839,8 @@
         </p:nvSpPr>
         <p:spPr bwMode="auto">
           <a:xfrm flipV="1">
-            <a:off x="-4189" y="714375"/>
-            <a:ext cx="1588527" cy="507297"/>
+            <a:off x="-4445" y="714375"/>
+            <a:ext cx="1588770" cy="507365"/>
           </a:xfrm>
           <a:custGeom>
             <a:avLst/>
@@ -3663,8 +3925,8 @@
         </p:nvSpPr>
         <p:spPr>
           <a:xfrm>
-            <a:off x="531812" y="787782"/>
-            <a:ext cx="779767" cy="365125"/>
+            <a:off x="531495" y="788035"/>
+            <a:ext cx="779780" cy="365125"/>
           </a:xfrm>
         </p:spPr>
         <p:txBody>
@@ -3685,11 +3947,20 @@
   <p:clrMapOvr>
     <a:masterClrMapping/>
   </p:clrMapOvr>
+  <mc:AlternateContent xmlns:mc="http://schemas.openxmlformats.org/markup-compatibility/2006">
+    <mc:Choice xmlns:p14="http://schemas.microsoft.com/office/powerpoint/2010/main" Requires="p14">
+      <p:transition spd="slow" p14:dur="2000"/>
+    </mc:Choice>
+    <mc:Fallback>
+      <p:transition spd="slow"/>
+    </mc:Fallback>
+  </mc:AlternateContent>
+  <p:hf dt="0" ftr="0"/>
 </p:sldLayout>
 </file>
 
 <file path=ppt/slideLayouts/slideLayout5.xml><?xml version="1.0" encoding="utf-8"?>
-<p:sldLayout xmlns:a="http://schemas.openxmlformats.org/drawingml/2006/main" xmlns:r="http://schemas.openxmlformats.org/officeDocument/2006/relationships" xmlns:p="http://schemas.openxmlformats.org/presentationml/2006/main" type="twoTxTwoObj" preserve="1">
+<p:sldLayout xmlns:a="http://schemas.openxmlformats.org/drawingml/2006/main" xmlns:r="http://schemas.openxmlformats.org/officeDocument/2006/relationships" xmlns:p="http://schemas.openxmlformats.org/presentationml/2006/main" xmlns:p14="http://schemas.microsoft.com/office/powerpoint/2010/main" type="twoTxTwoObj" preserve="1">
   <p:cSld name="비교">
     <p:spTree>
       <p:nvGrpSpPr>
@@ -3715,7 +3986,12 @@
             <p:ph type="title"/>
           </p:nvPr>
         </p:nvSpPr>
-        <p:spPr/>
+        <p:spPr>
+          <a:xfrm>
+            <a:off x="2592705" y="624205"/>
+            <a:ext cx="8912225" cy="1281430"/>
+          </a:xfrm>
+        </p:spPr>
         <p:txBody>
           <a:bodyPr/>
           <a:lstStyle/>
@@ -3740,8 +4016,8 @@
         </p:nvSpPr>
         <p:spPr>
           <a:xfrm>
-            <a:off x="2939373" y="1972703"/>
-            <a:ext cx="3992732" cy="576262"/>
+            <a:off x="2939415" y="1972945"/>
+            <a:ext cx="3992880" cy="575945"/>
           </a:xfrm>
         </p:spPr>
         <p:txBody>
@@ -3807,8 +4083,8 @@
         </p:nvSpPr>
         <p:spPr>
           <a:xfrm>
-            <a:off x="2589212" y="2548966"/>
-            <a:ext cx="4342893" cy="3354060"/>
+            <a:off x="2588895" y="2548890"/>
+            <a:ext cx="4342765" cy="3354070"/>
           </a:xfrm>
         </p:spPr>
         <p:txBody>
@@ -3866,8 +4142,8 @@
         </p:nvSpPr>
         <p:spPr>
           <a:xfrm>
-            <a:off x="7506629" y="1969475"/>
-            <a:ext cx="3999001" cy="576262"/>
+            <a:off x="7506335" y="1969770"/>
+            <a:ext cx="3999230" cy="575945"/>
           </a:xfrm>
         </p:spPr>
         <p:txBody>
@@ -3933,8 +4209,8 @@
         </p:nvSpPr>
         <p:spPr>
           <a:xfrm>
-            <a:off x="7166957" y="2545738"/>
-            <a:ext cx="4338674" cy="3354060"/>
+            <a:off x="7167245" y="2545715"/>
+            <a:ext cx="4338955" cy="3354070"/>
           </a:xfrm>
         </p:spPr>
         <p:txBody>
@@ -3990,17 +4266,27 @@
             <p:ph type="dt" sz="half" idx="10"/>
           </p:nvPr>
         </p:nvSpPr>
-        <p:spPr/>
-        <p:txBody>
-          <a:bodyPr/>
+        <p:spPr>
+          <a:xfrm>
+            <a:off x="10361295" y="6130290"/>
+            <a:ext cx="1146810" cy="370840"/>
+          </a:xfrm>
+        </p:spPr>
+        <p:txBody>
+          <a:bodyPr wrap="square" lIns="91440" tIns="45720" rIns="91440" bIns="45720" numCol="1" vert="horz" anchor="ctr">
+            <a:noAutofit/>
+          </a:bodyPr>
           <a:lstStyle/>
           <a:p>
-            <a:fld id="{B61BEF0D-F0BB-DE4B-95CE-6DB70DBA9567}" type="datetimeFigureOut">
-              <a:rPr lang="en-US" dirty="0"/>
-              <a:pPr/>
-              <a:t>10/4/2021</a:t>
+            <a:pPr marL="0" indent="0" latinLnBrk="0">
+              <a:buFontTx/>
+              <a:buNone/>
+            </a:pPr>
+            <a:fld id="{B9320F77-B9A0-41C5-862A-B4B631284C64}" type="datetime1">
+              <a:rPr lang="en-GB" altLang="en-US"/>
+              <a:t>10/5/2021</a:t>
             </a:fld>
-            <a:endParaRPr lang="en-US" dirty="0"/>
+            <a:endParaRPr lang="ko-KR" altLang="en-US"/>
           </a:p>
         </p:txBody>
       </p:sp>
@@ -4014,7 +4300,12 @@
             <p:ph type="ftr" sz="quarter" idx="11"/>
           </p:nvPr>
         </p:nvSpPr>
-        <p:spPr/>
+        <p:spPr>
+          <a:xfrm>
+            <a:off x="2588895" y="6136005"/>
+            <a:ext cx="7620635" cy="365760"/>
+          </a:xfrm>
+        </p:spPr>
         <p:txBody>
           <a:bodyPr/>
           <a:lstStyle/>
@@ -4031,8 +4322,8 @@
         </p:nvSpPr>
         <p:spPr bwMode="auto">
           <a:xfrm flipV="1">
-            <a:off x="-4189" y="714375"/>
-            <a:ext cx="1588527" cy="507297"/>
+            <a:off x="-4445" y="714375"/>
+            <a:ext cx="1588770" cy="507365"/>
           </a:xfrm>
           <a:custGeom>
             <a:avLst/>
@@ -4117,8 +4408,8 @@
         </p:nvSpPr>
         <p:spPr>
           <a:xfrm>
-            <a:off x="531812" y="787782"/>
-            <a:ext cx="779767" cy="365125"/>
+            <a:off x="531495" y="788035"/>
+            <a:ext cx="779780" cy="365125"/>
           </a:xfrm>
         </p:spPr>
         <p:txBody>
@@ -4139,11 +4430,20 @@
   <p:clrMapOvr>
     <a:masterClrMapping/>
   </p:clrMapOvr>
+  <mc:AlternateContent xmlns:mc="http://schemas.openxmlformats.org/markup-compatibility/2006">
+    <mc:Choice xmlns:p14="http://schemas.microsoft.com/office/powerpoint/2010/main" Requires="p14">
+      <p:transition spd="slow" p14:dur="2000"/>
+    </mc:Choice>
+    <mc:Fallback>
+      <p:transition spd="slow"/>
+    </mc:Fallback>
+  </mc:AlternateContent>
+  <p:hf dt="0" ftr="0"/>
 </p:sldLayout>
 </file>
 
 <file path=ppt/slideLayouts/slideLayout6.xml><?xml version="1.0" encoding="utf-8"?>
-<p:sldLayout xmlns:a="http://schemas.openxmlformats.org/drawingml/2006/main" xmlns:r="http://schemas.openxmlformats.org/officeDocument/2006/relationships" xmlns:p="http://schemas.openxmlformats.org/presentationml/2006/main" type="titleOnly" preserve="1">
+<p:sldLayout xmlns:a="http://schemas.openxmlformats.org/drawingml/2006/main" xmlns:r="http://schemas.openxmlformats.org/officeDocument/2006/relationships" xmlns:p="http://schemas.openxmlformats.org/presentationml/2006/main" xmlns:p14="http://schemas.microsoft.com/office/powerpoint/2010/main" type="titleOnly" preserve="1">
   <p:cSld name="제목만">
     <p:spTree>
       <p:nvGrpSpPr>
@@ -4169,7 +4469,12 @@
             <p:ph type="title"/>
           </p:nvPr>
         </p:nvSpPr>
-        <p:spPr/>
+        <p:spPr>
+          <a:xfrm>
+            <a:off x="2592705" y="624205"/>
+            <a:ext cx="8912225" cy="1281430"/>
+          </a:xfrm>
+        </p:spPr>
         <p:txBody>
           <a:bodyPr/>
           <a:lstStyle/>
@@ -4192,17 +4497,27 @@
             <p:ph type="dt" sz="half" idx="10"/>
           </p:nvPr>
         </p:nvSpPr>
-        <p:spPr/>
-        <p:txBody>
-          <a:bodyPr/>
+        <p:spPr>
+          <a:xfrm>
+            <a:off x="10361295" y="6130290"/>
+            <a:ext cx="1146810" cy="370840"/>
+          </a:xfrm>
+        </p:spPr>
+        <p:txBody>
+          <a:bodyPr wrap="square" lIns="91440" tIns="45720" rIns="91440" bIns="45720" numCol="1" vert="horz" anchor="ctr">
+            <a:noAutofit/>
+          </a:bodyPr>
           <a:lstStyle/>
           <a:p>
-            <a:fld id="{B61BEF0D-F0BB-DE4B-95CE-6DB70DBA9567}" type="datetimeFigureOut">
-              <a:rPr lang="en-US" dirty="0"/>
-              <a:pPr/>
-              <a:t>10/4/2021</a:t>
+            <a:pPr marL="0" indent="0" latinLnBrk="0">
+              <a:buFontTx/>
+              <a:buNone/>
+            </a:pPr>
+            <a:fld id="{B9320F77-B9A0-41C5-862A-B4B631284C64}" type="datetime1">
+              <a:rPr lang="en-GB" altLang="en-US"/>
+              <a:t>10/5/2021</a:t>
             </a:fld>
-            <a:endParaRPr lang="en-US" dirty="0"/>
+            <a:endParaRPr lang="ko-KR" altLang="en-US"/>
           </a:p>
         </p:txBody>
       </p:sp>
@@ -4216,7 +4531,12 @@
             <p:ph type="ftr" sz="quarter" idx="11"/>
           </p:nvPr>
         </p:nvSpPr>
-        <p:spPr/>
+        <p:spPr>
+          <a:xfrm>
+            <a:off x="2588895" y="6136005"/>
+            <a:ext cx="7620635" cy="365760"/>
+          </a:xfrm>
+        </p:spPr>
         <p:txBody>
           <a:bodyPr/>
           <a:lstStyle/>
@@ -4233,8 +4553,8 @@
         </p:nvSpPr>
         <p:spPr bwMode="auto">
           <a:xfrm flipV="1">
-            <a:off x="-4189" y="714375"/>
-            <a:ext cx="1588527" cy="507297"/>
+            <a:off x="-4445" y="714375"/>
+            <a:ext cx="1588770" cy="507365"/>
           </a:xfrm>
           <a:custGeom>
             <a:avLst/>
@@ -4317,7 +4637,12 @@
             <p:ph type="sldNum" sz="quarter" idx="12"/>
           </p:nvPr>
         </p:nvSpPr>
-        <p:spPr/>
+        <p:spPr>
+          <a:xfrm>
+            <a:off x="531495" y="788035"/>
+            <a:ext cx="780415" cy="365760"/>
+          </a:xfrm>
+        </p:spPr>
         <p:txBody>
           <a:bodyPr/>
           <a:lstStyle/>
@@ -4336,11 +4661,20 @@
   <p:clrMapOvr>
     <a:masterClrMapping/>
   </p:clrMapOvr>
+  <mc:AlternateContent xmlns:mc="http://schemas.openxmlformats.org/markup-compatibility/2006">
+    <mc:Choice xmlns:p14="http://schemas.microsoft.com/office/powerpoint/2010/main" Requires="p14">
+      <p:transition spd="slow" p14:dur="2000"/>
+    </mc:Choice>
+    <mc:Fallback>
+      <p:transition spd="slow"/>
+    </mc:Fallback>
+  </mc:AlternateContent>
+  <p:hf dt="0" ftr="0"/>
 </p:sldLayout>
 </file>
 
 <file path=ppt/slideLayouts/slideLayout7.xml><?xml version="1.0" encoding="utf-8"?>
-<p:sldLayout xmlns:a="http://schemas.openxmlformats.org/drawingml/2006/main" xmlns:r="http://schemas.openxmlformats.org/officeDocument/2006/relationships" xmlns:p="http://schemas.openxmlformats.org/presentationml/2006/main" type="blank" preserve="1">
+<p:sldLayout xmlns:a="http://schemas.openxmlformats.org/drawingml/2006/main" xmlns:r="http://schemas.openxmlformats.org/officeDocument/2006/relationships" xmlns:p="http://schemas.openxmlformats.org/presentationml/2006/main" xmlns:p14="http://schemas.microsoft.com/office/powerpoint/2010/main" type="blank" preserve="1">
   <p:cSld name="빈 화면">
     <p:spTree>
       <p:nvGrpSpPr>
@@ -4366,17 +4700,27 @@
             <p:ph type="dt" sz="half" idx="10"/>
           </p:nvPr>
         </p:nvSpPr>
-        <p:spPr/>
-        <p:txBody>
-          <a:bodyPr/>
+        <p:spPr>
+          <a:xfrm>
+            <a:off x="10361295" y="6130290"/>
+            <a:ext cx="1146810" cy="370840"/>
+          </a:xfrm>
+        </p:spPr>
+        <p:txBody>
+          <a:bodyPr wrap="square" lIns="91440" tIns="45720" rIns="91440" bIns="45720" numCol="1" vert="horz" anchor="ctr">
+            <a:noAutofit/>
+          </a:bodyPr>
           <a:lstStyle/>
           <a:p>
-            <a:fld id="{B61BEF0D-F0BB-DE4B-95CE-6DB70DBA9567}" type="datetimeFigureOut">
-              <a:rPr lang="en-US" dirty="0"/>
-              <a:pPr/>
-              <a:t>10/4/2021</a:t>
+            <a:pPr marL="0" indent="0" latinLnBrk="0">
+              <a:buFontTx/>
+              <a:buNone/>
+            </a:pPr>
+            <a:fld id="{B9320F77-B9A0-41C5-862A-B4B631284C64}" type="datetime1">
+              <a:rPr lang="en-GB" altLang="en-US"/>
+              <a:t>10/5/2021</a:t>
             </a:fld>
-            <a:endParaRPr lang="en-US" dirty="0"/>
+            <a:endParaRPr lang="ko-KR" altLang="en-US"/>
           </a:p>
         </p:txBody>
       </p:sp>
@@ -4390,7 +4734,12 @@
             <p:ph type="ftr" sz="quarter" idx="11"/>
           </p:nvPr>
         </p:nvSpPr>
-        <p:spPr/>
+        <p:spPr>
+          <a:xfrm>
+            <a:off x="2588895" y="6136005"/>
+            <a:ext cx="7620635" cy="365760"/>
+          </a:xfrm>
+        </p:spPr>
         <p:txBody>
           <a:bodyPr/>
           <a:lstStyle/>
@@ -4407,8 +4756,8 @@
         </p:nvSpPr>
         <p:spPr bwMode="auto">
           <a:xfrm flipV="1">
-            <a:off x="-4189" y="714375"/>
-            <a:ext cx="1588527" cy="507297"/>
+            <a:off x="-4445" y="714375"/>
+            <a:ext cx="1588770" cy="507365"/>
           </a:xfrm>
           <a:custGeom>
             <a:avLst/>
@@ -4491,7 +4840,12 @@
             <p:ph type="sldNum" sz="quarter" idx="12"/>
           </p:nvPr>
         </p:nvSpPr>
-        <p:spPr/>
+        <p:spPr>
+          <a:xfrm>
+            <a:off x="531495" y="788035"/>
+            <a:ext cx="780415" cy="365760"/>
+          </a:xfrm>
+        </p:spPr>
         <p:txBody>
           <a:bodyPr/>
           <a:lstStyle/>
@@ -4510,11 +4864,20 @@
   <p:clrMapOvr>
     <a:masterClrMapping/>
   </p:clrMapOvr>
+  <mc:AlternateContent xmlns:mc="http://schemas.openxmlformats.org/markup-compatibility/2006">
+    <mc:Choice xmlns:p14="http://schemas.microsoft.com/office/powerpoint/2010/main" Requires="p14">
+      <p:transition spd="slow" p14:dur="2000"/>
+    </mc:Choice>
+    <mc:Fallback>
+      <p:transition spd="slow"/>
+    </mc:Fallback>
+  </mc:AlternateContent>
+  <p:hf dt="0" ftr="0"/>
 </p:sldLayout>
 </file>
 
 <file path=ppt/slideLayouts/slideLayout8.xml><?xml version="1.0" encoding="utf-8"?>
-<p:sldLayout xmlns:a="http://schemas.openxmlformats.org/drawingml/2006/main" xmlns:r="http://schemas.openxmlformats.org/officeDocument/2006/relationships" xmlns:p="http://schemas.openxmlformats.org/presentationml/2006/main" type="objTx" preserve="1">
+<p:sldLayout xmlns:a="http://schemas.openxmlformats.org/drawingml/2006/main" xmlns:r="http://schemas.openxmlformats.org/officeDocument/2006/relationships" xmlns:p="http://schemas.openxmlformats.org/presentationml/2006/main" xmlns:p14="http://schemas.microsoft.com/office/powerpoint/2010/main" type="objTx" preserve="1">
   <p:cSld name="캡션 있는 콘텐츠">
     <p:spTree>
       <p:nvGrpSpPr>
@@ -4542,8 +4905,8 @@
         </p:nvSpPr>
         <p:spPr>
           <a:xfrm>
-            <a:off x="2589212" y="446088"/>
-            <a:ext cx="3505199" cy="976312"/>
+            <a:off x="2588895" y="446405"/>
+            <a:ext cx="3505200" cy="975995"/>
           </a:xfrm>
         </p:spPr>
         <p:txBody>
@@ -4574,8 +4937,8 @@
         </p:nvSpPr>
         <p:spPr>
           <a:xfrm>
-            <a:off x="6323012" y="446088"/>
-            <a:ext cx="5181600" cy="5414963"/>
+            <a:off x="6322695" y="446405"/>
+            <a:ext cx="5181600" cy="5415280"/>
           </a:xfrm>
         </p:spPr>
         <p:txBody>
@@ -4633,8 +4996,8 @@
         </p:nvSpPr>
         <p:spPr>
           <a:xfrm>
-            <a:off x="2589212" y="1598613"/>
-            <a:ext cx="3505199" cy="4262436"/>
+            <a:off x="2588895" y="1598930"/>
+            <a:ext cx="3505200" cy="4262120"/>
           </a:xfrm>
         </p:spPr>
         <p:txBody>
@@ -4696,17 +5059,27 @@
             <p:ph type="dt" sz="half" idx="10"/>
           </p:nvPr>
         </p:nvSpPr>
-        <p:spPr/>
-        <p:txBody>
-          <a:bodyPr/>
+        <p:spPr>
+          <a:xfrm>
+            <a:off x="10361295" y="6130290"/>
+            <a:ext cx="1146810" cy="370840"/>
+          </a:xfrm>
+        </p:spPr>
+        <p:txBody>
+          <a:bodyPr wrap="square" lIns="91440" tIns="45720" rIns="91440" bIns="45720" numCol="1" vert="horz" anchor="ctr">
+            <a:noAutofit/>
+          </a:bodyPr>
           <a:lstStyle/>
           <a:p>
-            <a:fld id="{B61BEF0D-F0BB-DE4B-95CE-6DB70DBA9567}" type="datetimeFigureOut">
-              <a:rPr lang="en-US" dirty="0"/>
-              <a:pPr/>
-              <a:t>10/4/2021</a:t>
+            <a:pPr marL="0" indent="0" latinLnBrk="0">
+              <a:buFontTx/>
+              <a:buNone/>
+            </a:pPr>
+            <a:fld id="{B9320F77-B9A0-41C5-862A-B4B631284C64}" type="datetime1">
+              <a:rPr lang="en-GB" altLang="en-US"/>
+              <a:t>10/5/2021</a:t>
             </a:fld>
-            <a:endParaRPr lang="en-US" dirty="0"/>
+            <a:endParaRPr lang="ko-KR" altLang="en-US"/>
           </a:p>
         </p:txBody>
       </p:sp>
@@ -4720,7 +5093,12 @@
             <p:ph type="ftr" sz="quarter" idx="11"/>
           </p:nvPr>
         </p:nvSpPr>
-        <p:spPr/>
+        <p:spPr>
+          <a:xfrm>
+            <a:off x="2588895" y="6136005"/>
+            <a:ext cx="7620635" cy="365760"/>
+          </a:xfrm>
+        </p:spPr>
         <p:txBody>
           <a:bodyPr/>
           <a:lstStyle/>
@@ -4737,8 +5115,8 @@
         </p:nvSpPr>
         <p:spPr bwMode="auto">
           <a:xfrm flipV="1">
-            <a:off x="-4189" y="714375"/>
-            <a:ext cx="1588527" cy="507297"/>
+            <a:off x="-4445" y="714375"/>
+            <a:ext cx="1588770" cy="507365"/>
           </a:xfrm>
           <a:custGeom>
             <a:avLst/>
@@ -4821,7 +5199,12 @@
             <p:ph type="sldNum" sz="quarter" idx="12"/>
           </p:nvPr>
         </p:nvSpPr>
-        <p:spPr/>
+        <p:spPr>
+          <a:xfrm>
+            <a:off x="531495" y="788035"/>
+            <a:ext cx="780415" cy="365760"/>
+          </a:xfrm>
+        </p:spPr>
         <p:txBody>
           <a:bodyPr/>
           <a:lstStyle/>
@@ -4840,11 +5223,20 @@
   <p:clrMapOvr>
     <a:masterClrMapping/>
   </p:clrMapOvr>
+  <mc:AlternateContent xmlns:mc="http://schemas.openxmlformats.org/markup-compatibility/2006">
+    <mc:Choice xmlns:p14="http://schemas.microsoft.com/office/powerpoint/2010/main" Requires="p14">
+      <p:transition spd="slow" p14:dur="2000"/>
+    </mc:Choice>
+    <mc:Fallback>
+      <p:transition spd="slow"/>
+    </mc:Fallback>
+  </mc:AlternateContent>
+  <p:hf dt="0" ftr="0"/>
 </p:sldLayout>
 </file>
 
 <file path=ppt/slideLayouts/slideLayout9.xml><?xml version="1.0" encoding="utf-8"?>
-<p:sldLayout xmlns:a="http://schemas.openxmlformats.org/drawingml/2006/main" xmlns:r="http://schemas.openxmlformats.org/officeDocument/2006/relationships" xmlns:p="http://schemas.openxmlformats.org/presentationml/2006/main" type="picTx" preserve="1">
+<p:sldLayout xmlns:a="http://schemas.openxmlformats.org/drawingml/2006/main" xmlns:r="http://schemas.openxmlformats.org/officeDocument/2006/relationships" xmlns:p="http://schemas.openxmlformats.org/presentationml/2006/main" xmlns:p14="http://schemas.microsoft.com/office/powerpoint/2010/main" type="picTx" preserve="1">
   <p:cSld name="캡션 있는 그림">
     <p:spTree>
       <p:nvGrpSpPr>
@@ -4872,8 +5264,8 @@
         </p:nvSpPr>
         <p:spPr>
           <a:xfrm>
-            <a:off x="2589213" y="4800600"/>
-            <a:ext cx="8915400" cy="566738"/>
+            <a:off x="2589530" y="4800600"/>
+            <a:ext cx="8915400" cy="567055"/>
           </a:xfrm>
         </p:spPr>
         <p:txBody>
@@ -4906,8 +5298,8 @@
         </p:nvSpPr>
         <p:spPr>
           <a:xfrm>
-            <a:off x="2589212" y="634965"/>
-            <a:ext cx="8915400" cy="3854970"/>
+            <a:off x="2588895" y="635000"/>
+            <a:ext cx="8915400" cy="3855085"/>
           </a:xfrm>
         </p:spPr>
         <p:txBody>
@@ -4973,8 +5365,8 @@
         </p:nvSpPr>
         <p:spPr>
           <a:xfrm>
-            <a:off x="2589213" y="5367338"/>
-            <a:ext cx="8915400" cy="493712"/>
+            <a:off x="2589530" y="5367655"/>
+            <a:ext cx="8915400" cy="493395"/>
           </a:xfrm>
         </p:spPr>
         <p:txBody>
@@ -5038,17 +5430,27 @@
             <p:ph type="dt" sz="half" idx="10"/>
           </p:nvPr>
         </p:nvSpPr>
-        <p:spPr/>
-        <p:txBody>
-          <a:bodyPr/>
+        <p:spPr>
+          <a:xfrm>
+            <a:off x="10361295" y="6130290"/>
+            <a:ext cx="1146810" cy="370840"/>
+          </a:xfrm>
+        </p:spPr>
+        <p:txBody>
+          <a:bodyPr wrap="square" lIns="91440" tIns="45720" rIns="91440" bIns="45720" numCol="1" vert="horz" anchor="ctr">
+            <a:noAutofit/>
+          </a:bodyPr>
           <a:lstStyle/>
           <a:p>
-            <a:fld id="{B61BEF0D-F0BB-DE4B-95CE-6DB70DBA9567}" type="datetimeFigureOut">
-              <a:rPr lang="en-US" dirty="0"/>
-              <a:pPr/>
-              <a:t>10/4/2021</a:t>
+            <a:pPr marL="0" indent="0" latinLnBrk="0">
+              <a:buFontTx/>
+              <a:buNone/>
+            </a:pPr>
+            <a:fld id="{B9320F77-B9A0-41C5-862A-B4B631284C64}" type="datetime1">
+              <a:rPr lang="en-GB" altLang="en-US"/>
+              <a:t>10/5/2021</a:t>
             </a:fld>
-            <a:endParaRPr lang="en-US" dirty="0"/>
+            <a:endParaRPr lang="ko-KR" altLang="en-US"/>
           </a:p>
         </p:txBody>
       </p:sp>
@@ -5062,7 +5464,12 @@
             <p:ph type="ftr" sz="quarter" idx="11"/>
           </p:nvPr>
         </p:nvSpPr>
-        <p:spPr/>
+        <p:spPr>
+          <a:xfrm>
+            <a:off x="2588895" y="6136005"/>
+            <a:ext cx="7620635" cy="365760"/>
+          </a:xfrm>
+        </p:spPr>
         <p:txBody>
           <a:bodyPr/>
           <a:lstStyle/>
@@ -5079,8 +5486,8 @@
         </p:nvSpPr>
         <p:spPr bwMode="auto">
           <a:xfrm flipV="1">
-            <a:off x="-4189" y="4911725"/>
-            <a:ext cx="1588527" cy="507297"/>
+            <a:off x="-4445" y="4911725"/>
+            <a:ext cx="1588770" cy="507365"/>
           </a:xfrm>
           <a:custGeom>
             <a:avLst/>
@@ -5165,8 +5572,8 @@
         </p:nvSpPr>
         <p:spPr>
           <a:xfrm>
-            <a:off x="531812" y="4983087"/>
-            <a:ext cx="779767" cy="365125"/>
+            <a:off x="531495" y="4982845"/>
+            <a:ext cx="779780" cy="365125"/>
           </a:xfrm>
         </p:spPr>
         <p:txBody>
@@ -5187,6 +5594,15 @@
   <p:clrMapOvr>
     <a:masterClrMapping/>
   </p:clrMapOvr>
+  <mc:AlternateContent xmlns:mc="http://schemas.openxmlformats.org/markup-compatibility/2006">
+    <mc:Choice xmlns:p14="http://schemas.microsoft.com/office/powerpoint/2010/main" Requires="p14">
+      <p:transition spd="slow" p14:dur="2000"/>
+    </mc:Choice>
+    <mc:Fallback>
+      <p:transition spd="slow"/>
+    </mc:Fallback>
+  </mc:AlternateContent>
+  <p:hf dt="0" ftr="0"/>
 </p:sldLayout>
 </file>
 
@@ -7074,17 +7490,21 @@
         <p:spPr>
           <a:xfrm>
             <a:off x="10361295" y="6130290"/>
-            <a:ext cx="1146175" cy="370205"/>
+            <a:ext cx="1146810" cy="370840"/>
           </a:xfrm>
           <a:prstGeom prst="rect">
             <a:avLst/>
           </a:prstGeom>
         </p:spPr>
         <p:txBody>
-          <a:bodyPr vert="horz" lIns="91440" tIns="45720" rIns="91440" bIns="45720" rtlCol="0" anchor="ctr"/>
+          <a:bodyPr wrap="square" lIns="91440" tIns="45720" rIns="91440" bIns="45720" numCol="1" vert="horz" anchor="ctr">
+            <a:noAutofit/>
+          </a:bodyPr>
           <a:lstStyle>
-            <a:lvl1pPr algn="r">
-              <a:defRPr sz="900">
+            <a:lvl1pPr marL="0" indent="0" algn="r" latinLnBrk="0">
+              <a:buFontTx/>
+              <a:buNone/>
+              <a:defRPr lang="en-GB" altLang="en-US" sz="900">
                 <a:solidFill>
                   <a:schemeClr val="tx1">
                     <a:tint val="75000"/>
@@ -7094,12 +7514,15 @@
             </a:lvl1pPr>
           </a:lstStyle>
           <a:p>
-            <a:fld id="{B61BEF0D-F0BB-DE4B-95CE-6DB70DBA9567}" type="datetimeFigureOut">
-              <a:rPr lang="en-US" dirty="0"/>
-              <a:pPr/>
-              <a:t>10/4/2021</a:t>
+            <a:pPr marL="0" indent="0" latinLnBrk="0">
+              <a:buFontTx/>
+              <a:buNone/>
+            </a:pPr>
+            <a:fld id="{B9320F77-B9A0-41C5-862A-B4B631284C64}" type="datetime1">
+              <a:rPr lang="en-GB" altLang="en-US"/>
+              <a:t>10/5/2021</a:t>
             </a:fld>
-            <a:endParaRPr lang="en-US" dirty="0"/>
+            <a:endParaRPr lang="ko-KR" altLang="en-US"/>
           </a:p>
         </p:txBody>
       </p:sp>
@@ -7184,22 +7607,22 @@
   </p:cSld>
   <p:clrMap bg1="dk1" tx1="lt1" bg2="dk2" tx2="lt2" accent1="accent1" accent2="accent2" accent3="accent3" accent4="accent4" accent5="accent5" accent6="accent6" hlink="hlink" folHlink="folHlink"/>
   <p:sldLayoutIdLst>
-    <p:sldLayoutId id="2147483920" r:id="rId1"/>
-    <p:sldLayoutId id="2147483921" r:id="rId2"/>
-    <p:sldLayoutId id="2147483922" r:id="rId3"/>
-    <p:sldLayoutId id="2147483923" r:id="rId4"/>
-    <p:sldLayoutId id="2147483924" r:id="rId5"/>
-    <p:sldLayoutId id="2147483925" r:id="rId6"/>
-    <p:sldLayoutId id="2147483926" r:id="rId7"/>
-    <p:sldLayoutId id="2147483927" r:id="rId8"/>
-    <p:sldLayoutId id="2147483928" r:id="rId9"/>
-    <p:sldLayoutId id="2147483929" r:id="rId10"/>
-    <p:sldLayoutId id="2147483930" r:id="rId11"/>
-    <p:sldLayoutId id="2147483931" r:id="rId12"/>
-    <p:sldLayoutId id="2147483932" r:id="rId13"/>
-    <p:sldLayoutId id="2147483933" r:id="rId14"/>
-    <p:sldLayoutId id="2147483934" r:id="rId15"/>
-    <p:sldLayoutId id="2147483935" r:id="rId16"/>
+    <p:sldLayoutId id="2147483937" r:id="rId1"/>
+    <p:sldLayoutId id="2147483938" r:id="rId2"/>
+    <p:sldLayoutId id="2147483939" r:id="rId3"/>
+    <p:sldLayoutId id="2147483940" r:id="rId4"/>
+    <p:sldLayoutId id="2147483941" r:id="rId5"/>
+    <p:sldLayoutId id="2147483942" r:id="rId6"/>
+    <p:sldLayoutId id="2147483943" r:id="rId7"/>
+    <p:sldLayoutId id="2147483944" r:id="rId8"/>
+    <p:sldLayoutId id="2147483945" r:id="rId9"/>
+    <p:sldLayoutId id="2147483946" r:id="rId10"/>
+    <p:sldLayoutId id="2147483947" r:id="rId11"/>
+    <p:sldLayoutId id="2147483948" r:id="rId12"/>
+    <p:sldLayoutId id="2147483949" r:id="rId13"/>
+    <p:sldLayoutId id="2147483950" r:id="rId14"/>
+    <p:sldLayoutId id="2147483951" r:id="rId15"/>
+    <p:sldLayoutId id="2147483952" r:id="rId16"/>
   </p:sldLayoutIdLst>
   <mc:AlternateContent xmlns:mc="http://schemas.openxmlformats.org/markup-compatibility/2006">
     <mc:Choice xmlns:p14="http://schemas.microsoft.com/office/powerpoint/2010/main" Requires="p14">
@@ -7216,6 +7639,7 @@
       </p:par>
     </p:tnLst>
   </p:timing>
+  <p:hf dt="0" ftr="0"/>
   <p:txStyles>
     <p:titleStyle>
       <a:lvl1pPr algn="l" defTabSz="457200" rtl="0" eaLnBrk="1" latinLnBrk="1" hangingPunct="1">
@@ -7735,7 +8159,7 @@
 </file>
 
 <file path=ppt/slides/slide10.xml><?xml version="1.0" encoding="utf-8"?>
-<p:sld xmlns:a="http://schemas.openxmlformats.org/drawingml/2006/main" xmlns:r="http://schemas.openxmlformats.org/officeDocument/2006/relationships" xmlns:p="http://schemas.openxmlformats.org/presentationml/2006/main">
+<p:sld xmlns:a="http://schemas.openxmlformats.org/drawingml/2006/main" xmlns:r="http://schemas.openxmlformats.org/officeDocument/2006/relationships" xmlns:p="http://schemas.openxmlformats.org/presentationml/2006/main" xmlns:p14="http://schemas.microsoft.com/office/powerpoint/2010/main">
   <p:cSld>
     <p:spTree>
       <p:nvGrpSpPr>
@@ -7804,7 +8228,7 @@
       </p:sp>
       <p:pic>
         <p:nvPicPr>
-          <p:cNvPr id="3" name="그림 20" descr="C:/Users/김디디/AppData/Roaming/PolarisOffice/ETemp/8560_13487336/fImage165822419358.png"/>
+          <p:cNvPr id="3" name="그림 20"/>
           <p:cNvPicPr>
             <a:picLocks noChangeAspect="1"/>
           </p:cNvPicPr>
@@ -7833,7 +8257,7 @@
       </p:pic>
       <p:pic>
         <p:nvPicPr>
-          <p:cNvPr id="4" name="그림 21" descr="C:/Users/김디디/AppData/Roaming/PolarisOffice/ETemp/8560_13487336/fImage158192426962.png"/>
+          <p:cNvPr id="4" name="그림 21"/>
           <p:cNvPicPr>
             <a:picLocks noChangeAspect="1"/>
           </p:cNvPicPr>
@@ -7862,7 +8286,7 @@
       </p:pic>
       <p:pic>
         <p:nvPicPr>
-          <p:cNvPr id="5" name="그림 22" descr="C:/Users/김디디/AppData/Roaming/PolarisOffice/ETemp/8560_13487336/fImage165352434464.png"/>
+          <p:cNvPr id="5" name="그림 22"/>
           <p:cNvPicPr>
             <a:picLocks noChangeAspect="1"/>
           </p:cNvPicPr>
@@ -7889,6 +8313,41 @@
           <a:noFill/>
         </p:spPr>
       </p:pic>
+      <p:sp>
+        <p:nvSpPr>
+          <p:cNvPr id="6" name="Rect 0"/>
+          <p:cNvSpPr txBox="1">
+            <a:spLocks/>
+          </p:cNvSpPr>
+          <p:nvPr>
+            <p:ph type="sldNum" idx="12"/>
+          </p:nvPr>
+        </p:nvSpPr>
+        <p:spPr>
+          <a:xfrm rot="0">
+            <a:off x="531495" y="788035"/>
+            <a:ext cx="781050" cy="366395"/>
+          </a:xfrm>
+          <a:prstGeom prst="rect"/>
+        </p:spPr>
+        <p:txBody>
+          <a:bodyPr wrap="square" lIns="91440" tIns="45720" rIns="91440" bIns="45720" vert="horz" anchor="ctr">
+            <a:noAutofit/>
+          </a:bodyPr>
+          <a:lstStyle/>
+          <a:p>
+            <a:pPr marL="0" indent="0" latinLnBrk="0">
+              <a:buFontTx/>
+              <a:buNone/>
+            </a:pPr>
+            <a:fld id="{B9320F77-B9A0-41C5-862A-B4B631284C64}" type="slidenum">
+              <a:rPr lang="en-US"/>
+              <a:t>‹#›</a:t>
+            </a:fld>
+            <a:endParaRPr lang="ko-KR" altLang="en-US"/>
+          </a:p>
+        </p:txBody>
+      </p:sp>
     </p:spTree>
   </p:cSld>
   <p:clrMapOvr>
@@ -7913,7 +8372,7 @@
 </file>
 
 <file path=ppt/slides/slide11.xml><?xml version="1.0" encoding="utf-8"?>
-<p:sld xmlns:a="http://schemas.openxmlformats.org/drawingml/2006/main" xmlns:r="http://schemas.openxmlformats.org/officeDocument/2006/relationships" xmlns:p="http://schemas.openxmlformats.org/presentationml/2006/main">
+<p:sld xmlns:a="http://schemas.openxmlformats.org/drawingml/2006/main" xmlns:r="http://schemas.openxmlformats.org/officeDocument/2006/relationships" xmlns:p="http://schemas.openxmlformats.org/presentationml/2006/main" xmlns:p14="http://schemas.microsoft.com/office/powerpoint/2010/main">
   <p:cSld>
     <p:spTree>
       <p:nvGrpSpPr>
@@ -7982,7 +8441,7 @@
       </p:sp>
       <p:pic>
         <p:nvPicPr>
-          <p:cNvPr id="3" name="그림 23" descr="C:/Users/김디디/AppData/Roaming/PolarisOffice/ETemp/8560_13487336/fImage185242445705.png"/>
+          <p:cNvPr id="3" name="그림 23"/>
           <p:cNvPicPr>
             <a:picLocks noChangeAspect="1"/>
           </p:cNvPicPr>
@@ -8009,6 +8468,41 @@
           <a:noFill/>
         </p:spPr>
       </p:pic>
+      <p:sp>
+        <p:nvSpPr>
+          <p:cNvPr id="4" name="Rect 0"/>
+          <p:cNvSpPr txBox="1">
+            <a:spLocks/>
+          </p:cNvSpPr>
+          <p:nvPr>
+            <p:ph type="sldNum" idx="12"/>
+          </p:nvPr>
+        </p:nvSpPr>
+        <p:spPr>
+          <a:xfrm rot="0">
+            <a:off x="531495" y="788035"/>
+            <a:ext cx="781050" cy="366395"/>
+          </a:xfrm>
+          <a:prstGeom prst="rect"/>
+        </p:spPr>
+        <p:txBody>
+          <a:bodyPr wrap="square" lIns="91440" tIns="45720" rIns="91440" bIns="45720" vert="horz" anchor="ctr">
+            <a:noAutofit/>
+          </a:bodyPr>
+          <a:lstStyle/>
+          <a:p>
+            <a:pPr marL="0" indent="0" latinLnBrk="0">
+              <a:buFontTx/>
+              <a:buNone/>
+            </a:pPr>
+            <a:fld id="{B9320F77-B9A0-41C5-862A-B4B631284C64}" type="slidenum">
+              <a:rPr lang="en-US"/>
+              <a:t>‹#›</a:t>
+            </a:fld>
+            <a:endParaRPr lang="ko-KR" altLang="en-US"/>
+          </a:p>
+        </p:txBody>
+      </p:sp>
     </p:spTree>
   </p:cSld>
   <p:clrMapOvr>
@@ -8033,7 +8527,7 @@
 </file>
 
 <file path=ppt/slides/slide12.xml><?xml version="1.0" encoding="utf-8"?>
-<p:sld xmlns:a="http://schemas.openxmlformats.org/drawingml/2006/main" xmlns:r="http://schemas.openxmlformats.org/officeDocument/2006/relationships" xmlns:p="http://schemas.openxmlformats.org/presentationml/2006/main">
+<p:sld xmlns:a="http://schemas.openxmlformats.org/drawingml/2006/main" xmlns:r="http://schemas.openxmlformats.org/officeDocument/2006/relationships" xmlns:p="http://schemas.openxmlformats.org/presentationml/2006/main" xmlns:p14="http://schemas.microsoft.com/office/powerpoint/2010/main">
   <p:cSld>
     <p:spTree>
       <p:nvGrpSpPr>
@@ -8102,7 +8596,7 @@
       </p:sp>
       <p:pic>
         <p:nvPicPr>
-          <p:cNvPr id="3" name="그림 25" descr="C:/Users/김디디/AppData/Roaming/PolarisOffice/ETemp/8560_13487336/fImage670482468145.png"/>
+          <p:cNvPr id="3" name="그림 25"/>
           <p:cNvPicPr>
             <a:picLocks noChangeAspect="1"/>
           </p:cNvPicPr>
@@ -8129,6 +8623,41 @@
           <a:noFill/>
         </p:spPr>
       </p:pic>
+      <p:sp>
+        <p:nvSpPr>
+          <p:cNvPr id="4" name="Rect 0"/>
+          <p:cNvSpPr txBox="1">
+            <a:spLocks/>
+          </p:cNvSpPr>
+          <p:nvPr>
+            <p:ph type="sldNum" idx="12"/>
+          </p:nvPr>
+        </p:nvSpPr>
+        <p:spPr>
+          <a:xfrm rot="0">
+            <a:off x="531495" y="788035"/>
+            <a:ext cx="781050" cy="366395"/>
+          </a:xfrm>
+          <a:prstGeom prst="rect"/>
+        </p:spPr>
+        <p:txBody>
+          <a:bodyPr wrap="square" lIns="91440" tIns="45720" rIns="91440" bIns="45720" vert="horz" anchor="ctr">
+            <a:noAutofit/>
+          </a:bodyPr>
+          <a:lstStyle/>
+          <a:p>
+            <a:pPr marL="0" indent="0" latinLnBrk="0">
+              <a:buFontTx/>
+              <a:buNone/>
+            </a:pPr>
+            <a:fld id="{B9320F77-B9A0-41C5-862A-B4B631284C64}" type="slidenum">
+              <a:rPr lang="en-US"/>
+              <a:t>‹#›</a:t>
+            </a:fld>
+            <a:endParaRPr lang="ko-KR" altLang="en-US"/>
+          </a:p>
+        </p:txBody>
+      </p:sp>
     </p:spTree>
   </p:cSld>
   <p:clrMapOvr>
@@ -8153,7 +8682,7 @@
 </file>
 
 <file path=ppt/slides/slide13.xml><?xml version="1.0" encoding="utf-8"?>
-<p:sld xmlns:a="http://schemas.openxmlformats.org/drawingml/2006/main" xmlns:r="http://schemas.openxmlformats.org/officeDocument/2006/relationships" xmlns:p="http://schemas.openxmlformats.org/presentationml/2006/main">
+<p:sld xmlns:a="http://schemas.openxmlformats.org/drawingml/2006/main" xmlns:r="http://schemas.openxmlformats.org/officeDocument/2006/relationships" xmlns:p="http://schemas.openxmlformats.org/presentationml/2006/main" xmlns:p14="http://schemas.microsoft.com/office/powerpoint/2010/main">
   <p:cSld>
     <p:spTree>
       <p:nvGrpSpPr>
@@ -8218,7 +8747,7 @@
       </p:sp>
       <p:pic>
         <p:nvPicPr>
-          <p:cNvPr id="3" name="그림 46" descr="C:/Users/김디디/AppData/Roaming/PolarisOffice/ETemp/8560_13487336/fImage97033003281.png"/>
+          <p:cNvPr id="3" name="그림 46"/>
           <p:cNvPicPr>
             <a:picLocks noChangeAspect="1"/>
           </p:cNvPicPr>
@@ -8247,7 +8776,7 @@
       </p:pic>
       <p:pic>
         <p:nvPicPr>
-          <p:cNvPr id="4" name="그림 48" descr="C:/Users/김디디/AppData/Roaming/PolarisOffice/ETemp/8560_13487336/fImage319723026827.png"/>
+          <p:cNvPr id="4" name="그림 48"/>
           <p:cNvPicPr>
             <a:picLocks noChangeAspect="1"/>
           </p:cNvPicPr>
@@ -8274,6 +8803,41 @@
           <a:noFill/>
         </p:spPr>
       </p:pic>
+      <p:sp>
+        <p:nvSpPr>
+          <p:cNvPr id="5" name="Rect 0"/>
+          <p:cNvSpPr txBox="1">
+            <a:spLocks/>
+          </p:cNvSpPr>
+          <p:nvPr>
+            <p:ph type="sldNum" idx="12"/>
+          </p:nvPr>
+        </p:nvSpPr>
+        <p:spPr>
+          <a:xfrm rot="0">
+            <a:off x="531495" y="788035"/>
+            <a:ext cx="781050" cy="366395"/>
+          </a:xfrm>
+          <a:prstGeom prst="rect"/>
+        </p:spPr>
+        <p:txBody>
+          <a:bodyPr wrap="square" lIns="91440" tIns="45720" rIns="91440" bIns="45720" vert="horz" anchor="ctr">
+            <a:noAutofit/>
+          </a:bodyPr>
+          <a:lstStyle/>
+          <a:p>
+            <a:pPr marL="0" indent="0" latinLnBrk="0">
+              <a:buFontTx/>
+              <a:buNone/>
+            </a:pPr>
+            <a:fld id="{B9320F77-B9A0-41C5-862A-B4B631284C64}" type="slidenum">
+              <a:rPr lang="en-US"/>
+              <a:t>‹#›</a:t>
+            </a:fld>
+            <a:endParaRPr lang="ko-KR" altLang="en-US"/>
+          </a:p>
+        </p:txBody>
+      </p:sp>
     </p:spTree>
   </p:cSld>
   <p:clrMapOvr>
@@ -8287,11 +8851,18 @@
       <p:transition spd="slow"/>
     </mc:Fallback>
   </mc:AlternateContent>
+  <p:timing>
+    <p:tnLst>
+      <p:par>
+        <p:cTn id="1" dur="indefinite" restart="never" nodeType="tmRoot"/>
+      </p:par>
+    </p:tnLst>
+  </p:timing>
 </p:sld>
 </file>
 
 <file path=ppt/slides/slide14.xml><?xml version="1.0" encoding="utf-8"?>
-<p:sld xmlns:a="http://schemas.openxmlformats.org/drawingml/2006/main" xmlns:r="http://schemas.openxmlformats.org/officeDocument/2006/relationships" xmlns:p="http://schemas.openxmlformats.org/presentationml/2006/main">
+<p:sld xmlns:a="http://schemas.openxmlformats.org/drawingml/2006/main" xmlns:r="http://schemas.openxmlformats.org/officeDocument/2006/relationships" xmlns:p="http://schemas.openxmlformats.org/presentationml/2006/main" xmlns:p14="http://schemas.microsoft.com/office/powerpoint/2010/main">
   <p:cSld>
     <p:spTree>
       <p:nvGrpSpPr>
@@ -8360,7 +8931,7 @@
       </p:sp>
       <p:pic>
         <p:nvPicPr>
-          <p:cNvPr id="3" name="그림 26" descr="C:/Users/김디디/AppData/Roaming/PolarisOffice/ETemp/8560_13487336/fImage2211742479961.png"/>
+          <p:cNvPr id="3" name="그림 26"/>
           <p:cNvPicPr>
             <a:picLocks noChangeAspect="1"/>
           </p:cNvPicPr>
@@ -8387,6 +8958,41 @@
           <a:noFill/>
         </p:spPr>
       </p:pic>
+      <p:sp>
+        <p:nvSpPr>
+          <p:cNvPr id="4" name="Rect 0"/>
+          <p:cNvSpPr txBox="1">
+            <a:spLocks/>
+          </p:cNvSpPr>
+          <p:nvPr>
+            <p:ph type="sldNum" idx="12"/>
+          </p:nvPr>
+        </p:nvSpPr>
+        <p:spPr>
+          <a:xfrm rot="0">
+            <a:off x="531495" y="788035"/>
+            <a:ext cx="781050" cy="366395"/>
+          </a:xfrm>
+          <a:prstGeom prst="rect"/>
+        </p:spPr>
+        <p:txBody>
+          <a:bodyPr wrap="square" lIns="91440" tIns="45720" rIns="91440" bIns="45720" vert="horz" anchor="ctr">
+            <a:noAutofit/>
+          </a:bodyPr>
+          <a:lstStyle/>
+          <a:p>
+            <a:pPr marL="0" indent="0" latinLnBrk="0">
+              <a:buFontTx/>
+              <a:buNone/>
+            </a:pPr>
+            <a:fld id="{B9320F77-B9A0-41C5-862A-B4B631284C64}" type="slidenum">
+              <a:rPr lang="en-US"/>
+              <a:t>‹#›</a:t>
+            </a:fld>
+            <a:endParaRPr lang="ko-KR" altLang="en-US"/>
+          </a:p>
+        </p:txBody>
+      </p:sp>
     </p:spTree>
   </p:cSld>
   <p:clrMapOvr>
@@ -8411,7 +9017,7 @@
 </file>
 
 <file path=ppt/slides/slide15.xml><?xml version="1.0" encoding="utf-8"?>
-<p:sld xmlns:a="http://schemas.openxmlformats.org/drawingml/2006/main" xmlns:r="http://schemas.openxmlformats.org/officeDocument/2006/relationships" xmlns:p="http://schemas.openxmlformats.org/presentationml/2006/main">
+<p:sld xmlns:a="http://schemas.openxmlformats.org/drawingml/2006/main" xmlns:r="http://schemas.openxmlformats.org/officeDocument/2006/relationships" xmlns:p="http://schemas.openxmlformats.org/presentationml/2006/main" xmlns:p14="http://schemas.microsoft.com/office/powerpoint/2010/main">
   <p:cSld>
     <p:spTree>
       <p:nvGrpSpPr>
@@ -8480,7 +9086,7 @@
       </p:sp>
       <p:pic>
         <p:nvPicPr>
-          <p:cNvPr id="3" name="그림 27" descr="C:/Users/김디디/AppData/Roaming/PolarisOffice/ETemp/8560_13487336/fImage220751248491.png"/>
+          <p:cNvPr id="3" name="그림 27"/>
           <p:cNvPicPr>
             <a:picLocks noChangeAspect="1"/>
           </p:cNvPicPr>
@@ -8507,6 +9113,41 @@
           <a:noFill/>
         </p:spPr>
       </p:pic>
+      <p:sp>
+        <p:nvSpPr>
+          <p:cNvPr id="4" name="Rect 0"/>
+          <p:cNvSpPr txBox="1">
+            <a:spLocks/>
+          </p:cNvSpPr>
+          <p:nvPr>
+            <p:ph type="sldNum" idx="12"/>
+          </p:nvPr>
+        </p:nvSpPr>
+        <p:spPr>
+          <a:xfrm rot="0">
+            <a:off x="531495" y="788035"/>
+            <a:ext cx="781050" cy="366395"/>
+          </a:xfrm>
+          <a:prstGeom prst="rect"/>
+        </p:spPr>
+        <p:txBody>
+          <a:bodyPr wrap="square" lIns="91440" tIns="45720" rIns="91440" bIns="45720" vert="horz" anchor="ctr">
+            <a:noAutofit/>
+          </a:bodyPr>
+          <a:lstStyle/>
+          <a:p>
+            <a:pPr marL="0" indent="0" latinLnBrk="0">
+              <a:buFontTx/>
+              <a:buNone/>
+            </a:pPr>
+            <a:fld id="{B9320F77-B9A0-41C5-862A-B4B631284C64}" type="slidenum">
+              <a:rPr lang="en-US"/>
+              <a:t>‹#›</a:t>
+            </a:fld>
+            <a:endParaRPr lang="ko-KR" altLang="en-US"/>
+          </a:p>
+        </p:txBody>
+      </p:sp>
     </p:spTree>
   </p:cSld>
   <p:clrMapOvr>
@@ -8531,7 +9172,7 @@
 </file>
 
 <file path=ppt/slides/slide16.xml><?xml version="1.0" encoding="utf-8"?>
-<p:sld xmlns:a="http://schemas.openxmlformats.org/drawingml/2006/main" xmlns:r="http://schemas.openxmlformats.org/officeDocument/2006/relationships" xmlns:p="http://schemas.openxmlformats.org/presentationml/2006/main">
+<p:sld xmlns:a="http://schemas.openxmlformats.org/drawingml/2006/main" xmlns:r="http://schemas.openxmlformats.org/officeDocument/2006/relationships" xmlns:p="http://schemas.openxmlformats.org/presentationml/2006/main" xmlns:p14="http://schemas.microsoft.com/office/powerpoint/2010/main">
   <p:cSld>
     <p:spTree>
       <p:nvGrpSpPr>
@@ -8600,7 +9241,7 @@
       </p:sp>
       <p:pic>
         <p:nvPicPr>
-          <p:cNvPr id="3" name="그림 28" descr="C:/Users/김디디/AppData/Roaming/PolarisOffice/ETemp/8560_13487336/fImage2267522492995.png"/>
+          <p:cNvPr id="3" name="그림 28"/>
           <p:cNvPicPr>
             <a:picLocks noChangeAspect="1"/>
           </p:cNvPicPr>
@@ -8627,6 +9268,41 @@
           <a:noFill/>
         </p:spPr>
       </p:pic>
+      <p:sp>
+        <p:nvSpPr>
+          <p:cNvPr id="4" name="Rect 0"/>
+          <p:cNvSpPr txBox="1">
+            <a:spLocks/>
+          </p:cNvSpPr>
+          <p:nvPr>
+            <p:ph type="sldNum" idx="12"/>
+          </p:nvPr>
+        </p:nvSpPr>
+        <p:spPr>
+          <a:xfrm rot="0">
+            <a:off x="531495" y="788035"/>
+            <a:ext cx="781050" cy="366395"/>
+          </a:xfrm>
+          <a:prstGeom prst="rect"/>
+        </p:spPr>
+        <p:txBody>
+          <a:bodyPr wrap="square" lIns="91440" tIns="45720" rIns="91440" bIns="45720" vert="horz" anchor="ctr">
+            <a:noAutofit/>
+          </a:bodyPr>
+          <a:lstStyle/>
+          <a:p>
+            <a:pPr marL="0" indent="0" latinLnBrk="0">
+              <a:buFontTx/>
+              <a:buNone/>
+            </a:pPr>
+            <a:fld id="{B9320F77-B9A0-41C5-862A-B4B631284C64}" type="slidenum">
+              <a:rPr lang="en-US"/>
+              <a:t>‹#›</a:t>
+            </a:fld>
+            <a:endParaRPr lang="ko-KR" altLang="en-US"/>
+          </a:p>
+        </p:txBody>
+      </p:sp>
     </p:spTree>
   </p:cSld>
   <p:clrMapOvr>
@@ -8651,7 +9327,7 @@
 </file>
 
 <file path=ppt/slides/slide17.xml><?xml version="1.0" encoding="utf-8"?>
-<p:sld xmlns:a="http://schemas.openxmlformats.org/drawingml/2006/main" xmlns:r="http://schemas.openxmlformats.org/officeDocument/2006/relationships" xmlns:p="http://schemas.openxmlformats.org/presentationml/2006/main">
+<p:sld xmlns:a="http://schemas.openxmlformats.org/drawingml/2006/main" xmlns:r="http://schemas.openxmlformats.org/officeDocument/2006/relationships" xmlns:p="http://schemas.openxmlformats.org/presentationml/2006/main" xmlns:p14="http://schemas.microsoft.com/office/powerpoint/2010/main">
   <p:cSld>
     <p:spTree>
       <p:nvGrpSpPr>
@@ -8720,7 +9396,7 @@
       </p:sp>
       <p:pic>
         <p:nvPicPr>
-          <p:cNvPr id="3" name="그림 29" descr="C:/Users/김디디/AppData/Roaming/PolarisOffice/ETemp/8560_13487336/fImage2216362621942.png"/>
+          <p:cNvPr id="3" name="그림 29"/>
           <p:cNvPicPr>
             <a:picLocks noChangeAspect="1"/>
           </p:cNvPicPr>
@@ -8747,6 +9423,41 @@
           <a:noFill/>
         </p:spPr>
       </p:pic>
+      <p:sp>
+        <p:nvSpPr>
+          <p:cNvPr id="4" name="Rect 0"/>
+          <p:cNvSpPr txBox="1">
+            <a:spLocks/>
+          </p:cNvSpPr>
+          <p:nvPr>
+            <p:ph type="sldNum" idx="12"/>
+          </p:nvPr>
+        </p:nvSpPr>
+        <p:spPr>
+          <a:xfrm rot="0">
+            <a:off x="531495" y="788035"/>
+            <a:ext cx="781050" cy="366395"/>
+          </a:xfrm>
+          <a:prstGeom prst="rect"/>
+        </p:spPr>
+        <p:txBody>
+          <a:bodyPr wrap="square" lIns="91440" tIns="45720" rIns="91440" bIns="45720" vert="horz" anchor="ctr">
+            <a:noAutofit/>
+          </a:bodyPr>
+          <a:lstStyle/>
+          <a:p>
+            <a:pPr marL="0" indent="0" latinLnBrk="0">
+              <a:buFontTx/>
+              <a:buNone/>
+            </a:pPr>
+            <a:fld id="{B9320F77-B9A0-41C5-862A-B4B631284C64}" type="slidenum">
+              <a:rPr lang="en-US"/>
+              <a:t>‹#›</a:t>
+            </a:fld>
+            <a:endParaRPr lang="ko-KR" altLang="en-US"/>
+          </a:p>
+        </p:txBody>
+      </p:sp>
     </p:spTree>
   </p:cSld>
   <p:clrMapOvr>
@@ -8771,7 +9482,7 @@
 </file>
 
 <file path=ppt/slides/slide18.xml><?xml version="1.0" encoding="utf-8"?>
-<p:sld xmlns:a="http://schemas.openxmlformats.org/drawingml/2006/main" xmlns:r="http://schemas.openxmlformats.org/officeDocument/2006/relationships" xmlns:p="http://schemas.openxmlformats.org/presentationml/2006/main">
+<p:sld xmlns:a="http://schemas.openxmlformats.org/drawingml/2006/main" xmlns:r="http://schemas.openxmlformats.org/officeDocument/2006/relationships" xmlns:p="http://schemas.openxmlformats.org/presentationml/2006/main" xmlns:p14="http://schemas.microsoft.com/office/powerpoint/2010/main">
   <p:cSld>
     <p:spTree>
       <p:nvGrpSpPr>
@@ -8840,7 +9551,7 @@
       </p:sp>
       <p:pic>
         <p:nvPicPr>
-          <p:cNvPr id="3" name="그림 49" descr="C:/Users/김디디/AppData/Roaming/PolarisOffice/ETemp/8560_13487336/fImage39693054827.png"/>
+          <p:cNvPr id="3" name="그림 49"/>
           <p:cNvPicPr>
             <a:picLocks noChangeAspect="1"/>
           </p:cNvPicPr>
@@ -8869,7 +9580,7 @@
       </p:pic>
       <p:pic>
         <p:nvPicPr>
-          <p:cNvPr id="4" name="그림 50" descr="C:/Users/김디디/AppData/Roaming/PolarisOffice/ETemp/8560_13487336/fImage149973065436.png"/>
+          <p:cNvPr id="4" name="그림 50"/>
           <p:cNvPicPr>
             <a:picLocks noChangeAspect="1"/>
           </p:cNvPicPr>
@@ -8898,7 +9609,7 @@
       </p:pic>
       <p:pic>
         <p:nvPicPr>
-          <p:cNvPr id="5" name="그림 51" descr="C:/Users/김디디/AppData/Roaming/PolarisOffice/ETemp/8560_13487336/fImage23913072391.png"/>
+          <p:cNvPr id="5" name="그림 51"/>
           <p:cNvPicPr>
             <a:picLocks noChangeAspect="1"/>
           </p:cNvPicPr>
@@ -8927,7 +9638,7 @@
       </p:pic>
       <p:pic>
         <p:nvPicPr>
-          <p:cNvPr id="6" name="그림 52" descr="C:/Users/김디디/AppData/Roaming/PolarisOffice/ETemp/8560_13487336/fImage30563084604.png"/>
+          <p:cNvPr id="6" name="그림 52"/>
           <p:cNvPicPr>
             <a:picLocks noChangeAspect="1"/>
           </p:cNvPicPr>
@@ -8954,6 +9665,41 @@
           <a:noFill/>
         </p:spPr>
       </p:pic>
+      <p:sp>
+        <p:nvSpPr>
+          <p:cNvPr id="7" name="Rect 0"/>
+          <p:cNvSpPr txBox="1">
+            <a:spLocks/>
+          </p:cNvSpPr>
+          <p:nvPr>
+            <p:ph type="sldNum" idx="12"/>
+          </p:nvPr>
+        </p:nvSpPr>
+        <p:spPr>
+          <a:xfrm rot="0">
+            <a:off x="531495" y="788035"/>
+            <a:ext cx="781050" cy="366395"/>
+          </a:xfrm>
+          <a:prstGeom prst="rect"/>
+        </p:spPr>
+        <p:txBody>
+          <a:bodyPr wrap="square" lIns="91440" tIns="45720" rIns="91440" bIns="45720" vert="horz" anchor="ctr">
+            <a:noAutofit/>
+          </a:bodyPr>
+          <a:lstStyle/>
+          <a:p>
+            <a:pPr marL="0" indent="0" latinLnBrk="0">
+              <a:buFontTx/>
+              <a:buNone/>
+            </a:pPr>
+            <a:fld id="{B9320F77-B9A0-41C5-862A-B4B631284C64}" type="slidenum">
+              <a:rPr lang="en-US"/>
+              <a:t>‹#›</a:t>
+            </a:fld>
+            <a:endParaRPr lang="ko-KR" altLang="en-US"/>
+          </a:p>
+        </p:txBody>
+      </p:sp>
     </p:spTree>
   </p:cSld>
   <p:clrMapOvr>
@@ -8978,7 +9724,7 @@
 </file>
 
 <file path=ppt/slides/slide19.xml><?xml version="1.0" encoding="utf-8"?>
-<p:sld xmlns:a="http://schemas.openxmlformats.org/drawingml/2006/main" xmlns:r="http://schemas.openxmlformats.org/officeDocument/2006/relationships" xmlns:p="http://schemas.openxmlformats.org/presentationml/2006/main">
+<p:sld xmlns:a="http://schemas.openxmlformats.org/drawingml/2006/main" xmlns:r="http://schemas.openxmlformats.org/officeDocument/2006/relationships" xmlns:p="http://schemas.openxmlformats.org/presentationml/2006/main" xmlns:p14="http://schemas.microsoft.com/office/powerpoint/2010/main">
   <p:cSld>
     <p:spTree>
       <p:nvGrpSpPr>
@@ -9047,7 +9793,7 @@
       </p:sp>
       <p:pic>
         <p:nvPicPr>
-          <p:cNvPr id="3" name="그림 30" descr="C:/Users/김디디/AppData/Roaming/PolarisOffice/ETemp/8560_13487336/fImage2220992633902.png"/>
+          <p:cNvPr id="3" name="그림 30"/>
           <p:cNvPicPr>
             <a:picLocks noChangeAspect="1"/>
           </p:cNvPicPr>
@@ -9074,6 +9820,41 @@
           <a:noFill/>
         </p:spPr>
       </p:pic>
+      <p:sp>
+        <p:nvSpPr>
+          <p:cNvPr id="4" name="Rect 0"/>
+          <p:cNvSpPr txBox="1">
+            <a:spLocks/>
+          </p:cNvSpPr>
+          <p:nvPr>
+            <p:ph type="sldNum" idx="12"/>
+          </p:nvPr>
+        </p:nvSpPr>
+        <p:spPr>
+          <a:xfrm rot="0">
+            <a:off x="531495" y="788035"/>
+            <a:ext cx="781050" cy="366395"/>
+          </a:xfrm>
+          <a:prstGeom prst="rect"/>
+        </p:spPr>
+        <p:txBody>
+          <a:bodyPr wrap="square" lIns="91440" tIns="45720" rIns="91440" bIns="45720" vert="horz" anchor="ctr">
+            <a:noAutofit/>
+          </a:bodyPr>
+          <a:lstStyle/>
+          <a:p>
+            <a:pPr marL="0" indent="0" latinLnBrk="0">
+              <a:buFontTx/>
+              <a:buNone/>
+            </a:pPr>
+            <a:fld id="{B9320F77-B9A0-41C5-862A-B4B631284C64}" type="slidenum">
+              <a:rPr lang="en-US"/>
+              <a:t>‹#›</a:t>
+            </a:fld>
+            <a:endParaRPr lang="ko-KR" altLang="en-US"/>
+          </a:p>
+        </p:txBody>
+      </p:sp>
     </p:spTree>
   </p:cSld>
   <p:clrMapOvr>
@@ -9244,6 +10025,41 @@
           </a:p>
         </p:txBody>
       </p:sp>
+      <p:sp>
+        <p:nvSpPr>
+          <p:cNvPr id="4" name="Rect 0"/>
+          <p:cNvSpPr txBox="1">
+            <a:spLocks/>
+          </p:cNvSpPr>
+          <p:nvPr>
+            <p:ph type="sldNum" idx="12"/>
+          </p:nvPr>
+        </p:nvSpPr>
+        <p:spPr>
+          <a:xfrm rot="0">
+            <a:off x="531495" y="788035"/>
+            <a:ext cx="781050" cy="366395"/>
+          </a:xfrm>
+          <a:prstGeom prst="rect"/>
+        </p:spPr>
+        <p:txBody>
+          <a:bodyPr wrap="square" lIns="91440" tIns="45720" rIns="91440" bIns="45720" vert="horz" anchor="ctr">
+            <a:noAutofit/>
+          </a:bodyPr>
+          <a:lstStyle/>
+          <a:p>
+            <a:pPr marL="0" indent="0" latinLnBrk="0">
+              <a:buFontTx/>
+              <a:buNone/>
+            </a:pPr>
+            <a:fld id="{B9320F77-B9A0-41C5-862A-B4B631284C64}" type="slidenum">
+              <a:rPr lang="en-US"/>
+              <a:t>2</a:t>
+            </a:fld>
+            <a:endParaRPr lang="ko-KR" altLang="en-US"/>
+          </a:p>
+        </p:txBody>
+      </p:sp>
     </p:spTree>
     <p:extLst>
       <p:ext uri="{BB962C8B-B14F-4D97-AF65-F5344CB8AC3E}">
@@ -9273,7 +10089,7 @@
 </file>
 
 <file path=ppt/slides/slide20.xml><?xml version="1.0" encoding="utf-8"?>
-<p:sld xmlns:a="http://schemas.openxmlformats.org/drawingml/2006/main" xmlns:r="http://schemas.openxmlformats.org/officeDocument/2006/relationships" xmlns:p="http://schemas.openxmlformats.org/presentationml/2006/main">
+<p:sld xmlns:a="http://schemas.openxmlformats.org/drawingml/2006/main" xmlns:r="http://schemas.openxmlformats.org/officeDocument/2006/relationships" xmlns:p="http://schemas.openxmlformats.org/presentationml/2006/main" xmlns:p14="http://schemas.microsoft.com/office/powerpoint/2010/main">
   <p:cSld>
     <p:spTree>
       <p:nvGrpSpPr>
@@ -9342,7 +10158,7 @@
       </p:sp>
       <p:pic>
         <p:nvPicPr>
-          <p:cNvPr id="3" name="그림 31" descr="C:/Users/김디디/AppData/Roaming/PolarisOffice/ETemp/8560_13487336/fImage228262264153.png"/>
+          <p:cNvPr id="3" name="그림 31"/>
           <p:cNvPicPr>
             <a:picLocks noChangeAspect="1"/>
           </p:cNvPicPr>
@@ -9369,6 +10185,41 @@
           <a:noFill/>
         </p:spPr>
       </p:pic>
+      <p:sp>
+        <p:nvSpPr>
+          <p:cNvPr id="4" name="Rect 0"/>
+          <p:cNvSpPr txBox="1">
+            <a:spLocks/>
+          </p:cNvSpPr>
+          <p:nvPr>
+            <p:ph type="sldNum" idx="12"/>
+          </p:nvPr>
+        </p:nvSpPr>
+        <p:spPr>
+          <a:xfrm rot="0">
+            <a:off x="531495" y="788035"/>
+            <a:ext cx="781050" cy="366395"/>
+          </a:xfrm>
+          <a:prstGeom prst="rect"/>
+        </p:spPr>
+        <p:txBody>
+          <a:bodyPr wrap="square" lIns="91440" tIns="45720" rIns="91440" bIns="45720" vert="horz" anchor="ctr">
+            <a:noAutofit/>
+          </a:bodyPr>
+          <a:lstStyle/>
+          <a:p>
+            <a:pPr marL="0" indent="0" latinLnBrk="0">
+              <a:buFontTx/>
+              <a:buNone/>
+            </a:pPr>
+            <a:fld id="{B9320F77-B9A0-41C5-862A-B4B631284C64}" type="slidenum">
+              <a:rPr lang="en-US"/>
+              <a:t>‹#›</a:t>
+            </a:fld>
+            <a:endParaRPr lang="ko-KR" altLang="en-US"/>
+          </a:p>
+        </p:txBody>
+      </p:sp>
     </p:spTree>
   </p:cSld>
   <p:clrMapOvr>
@@ -9393,7 +10244,7 @@
 </file>
 
 <file path=ppt/slides/slide21.xml><?xml version="1.0" encoding="utf-8"?>
-<p:sld xmlns:a="http://schemas.openxmlformats.org/drawingml/2006/main" xmlns:r="http://schemas.openxmlformats.org/officeDocument/2006/relationships" xmlns:p="http://schemas.openxmlformats.org/presentationml/2006/main">
+<p:sld xmlns:a="http://schemas.openxmlformats.org/drawingml/2006/main" xmlns:r="http://schemas.openxmlformats.org/officeDocument/2006/relationships" xmlns:p="http://schemas.openxmlformats.org/presentationml/2006/main" xmlns:p14="http://schemas.microsoft.com/office/powerpoint/2010/main">
   <p:cSld>
     <p:spTree>
       <p:nvGrpSpPr>
@@ -9462,7 +10313,7 @@
       </p:sp>
       <p:pic>
         <p:nvPicPr>
-          <p:cNvPr id="3" name="그림 32" descr="C:/Users/김디디/AppData/Roaming/PolarisOffice/ETemp/8560_13487336/fImage21530265292.png"/>
+          <p:cNvPr id="3" name="그림 32"/>
           <p:cNvPicPr>
             <a:picLocks noChangeAspect="1"/>
           </p:cNvPicPr>
@@ -9489,6 +10340,41 @@
           <a:noFill/>
         </p:spPr>
       </p:pic>
+      <p:sp>
+        <p:nvSpPr>
+          <p:cNvPr id="4" name="Rect 0"/>
+          <p:cNvSpPr txBox="1">
+            <a:spLocks/>
+          </p:cNvSpPr>
+          <p:nvPr>
+            <p:ph type="sldNum" idx="12"/>
+          </p:nvPr>
+        </p:nvSpPr>
+        <p:spPr>
+          <a:xfrm rot="0">
+            <a:off x="531495" y="788035"/>
+            <a:ext cx="781050" cy="366395"/>
+          </a:xfrm>
+          <a:prstGeom prst="rect"/>
+        </p:spPr>
+        <p:txBody>
+          <a:bodyPr wrap="square" lIns="91440" tIns="45720" rIns="91440" bIns="45720" vert="horz" anchor="ctr">
+            <a:noAutofit/>
+          </a:bodyPr>
+          <a:lstStyle/>
+          <a:p>
+            <a:pPr marL="0" indent="0" latinLnBrk="0">
+              <a:buFontTx/>
+              <a:buNone/>
+            </a:pPr>
+            <a:fld id="{B9320F77-B9A0-41C5-862A-B4B631284C64}" type="slidenum">
+              <a:rPr lang="en-US"/>
+              <a:t>‹#›</a:t>
+            </a:fld>
+            <a:endParaRPr lang="ko-KR" altLang="en-US"/>
+          </a:p>
+        </p:txBody>
+      </p:sp>
     </p:spTree>
   </p:cSld>
   <p:clrMapOvr>
@@ -9513,7 +10399,7 @@
 </file>
 
 <file path=ppt/slides/slide22.xml><?xml version="1.0" encoding="utf-8"?>
-<p:sld xmlns:a="http://schemas.openxmlformats.org/drawingml/2006/main" xmlns:r="http://schemas.openxmlformats.org/officeDocument/2006/relationships" xmlns:p="http://schemas.openxmlformats.org/presentationml/2006/main">
+<p:sld xmlns:a="http://schemas.openxmlformats.org/drawingml/2006/main" xmlns:r="http://schemas.openxmlformats.org/officeDocument/2006/relationships" xmlns:p="http://schemas.openxmlformats.org/presentationml/2006/main" xmlns:p14="http://schemas.microsoft.com/office/powerpoint/2010/main">
   <p:cSld>
     <p:spTree>
       <p:nvGrpSpPr>
@@ -9582,7 +10468,7 @@
       </p:sp>
       <p:pic>
         <p:nvPicPr>
-          <p:cNvPr id="3" name="그림 33" descr="C:/Users/김디디/AppData/Roaming/PolarisOffice/ETemp/8560_13487336/fImage417692662382.png"/>
+          <p:cNvPr id="3" name="그림 33"/>
           <p:cNvPicPr>
             <a:picLocks noChangeAspect="1"/>
           </p:cNvPicPr>
@@ -9609,6 +10495,41 @@
           <a:noFill/>
         </p:spPr>
       </p:pic>
+      <p:sp>
+        <p:nvSpPr>
+          <p:cNvPr id="4" name="Rect 0"/>
+          <p:cNvSpPr txBox="1">
+            <a:spLocks/>
+          </p:cNvSpPr>
+          <p:nvPr>
+            <p:ph type="sldNum" idx="12"/>
+          </p:nvPr>
+        </p:nvSpPr>
+        <p:spPr>
+          <a:xfrm rot="0">
+            <a:off x="531495" y="788035"/>
+            <a:ext cx="781050" cy="366395"/>
+          </a:xfrm>
+          <a:prstGeom prst="rect"/>
+        </p:spPr>
+        <p:txBody>
+          <a:bodyPr wrap="square" lIns="91440" tIns="45720" rIns="91440" bIns="45720" vert="horz" anchor="ctr">
+            <a:noAutofit/>
+          </a:bodyPr>
+          <a:lstStyle/>
+          <a:p>
+            <a:pPr marL="0" indent="0" latinLnBrk="0">
+              <a:buFontTx/>
+              <a:buNone/>
+            </a:pPr>
+            <a:fld id="{B9320F77-B9A0-41C5-862A-B4B631284C64}" type="slidenum">
+              <a:rPr lang="en-US"/>
+              <a:t>‹#›</a:t>
+            </a:fld>
+            <a:endParaRPr lang="ko-KR" altLang="en-US"/>
+          </a:p>
+        </p:txBody>
+      </p:sp>
     </p:spTree>
   </p:cSld>
   <p:clrMapOvr>
@@ -9633,7 +10554,7 @@
 </file>
 
 <file path=ppt/slides/slide23.xml><?xml version="1.0" encoding="utf-8"?>
-<p:sld xmlns:a="http://schemas.openxmlformats.org/drawingml/2006/main" xmlns:r="http://schemas.openxmlformats.org/officeDocument/2006/relationships" xmlns:p="http://schemas.openxmlformats.org/presentationml/2006/main">
+<p:sld xmlns:a="http://schemas.openxmlformats.org/drawingml/2006/main" xmlns:r="http://schemas.openxmlformats.org/officeDocument/2006/relationships" xmlns:p="http://schemas.openxmlformats.org/presentationml/2006/main" xmlns:p14="http://schemas.microsoft.com/office/powerpoint/2010/main">
   <p:cSld>
     <p:spTree>
       <p:nvGrpSpPr>
@@ -9702,7 +10623,7 @@
       </p:sp>
       <p:pic>
         <p:nvPicPr>
-          <p:cNvPr id="3" name="그림 34" descr="C:/Users/김디디/AppData/Roaming/PolarisOffice/ETemp/8560_13487336/fImage485002677421.png"/>
+          <p:cNvPr id="3" name="그림 34"/>
           <p:cNvPicPr>
             <a:picLocks noChangeAspect="1"/>
           </p:cNvPicPr>
@@ -9729,6 +10650,41 @@
           <a:noFill/>
         </p:spPr>
       </p:pic>
+      <p:sp>
+        <p:nvSpPr>
+          <p:cNvPr id="4" name="Rect 0"/>
+          <p:cNvSpPr txBox="1">
+            <a:spLocks/>
+          </p:cNvSpPr>
+          <p:nvPr>
+            <p:ph type="sldNum" idx="12"/>
+          </p:nvPr>
+        </p:nvSpPr>
+        <p:spPr>
+          <a:xfrm rot="0">
+            <a:off x="531495" y="788035"/>
+            <a:ext cx="781050" cy="366395"/>
+          </a:xfrm>
+          <a:prstGeom prst="rect"/>
+        </p:spPr>
+        <p:txBody>
+          <a:bodyPr wrap="square" lIns="91440" tIns="45720" rIns="91440" bIns="45720" vert="horz" anchor="ctr">
+            <a:noAutofit/>
+          </a:bodyPr>
+          <a:lstStyle/>
+          <a:p>
+            <a:pPr marL="0" indent="0" latinLnBrk="0">
+              <a:buFontTx/>
+              <a:buNone/>
+            </a:pPr>
+            <a:fld id="{B9320F77-B9A0-41C5-862A-B4B631284C64}" type="slidenum">
+              <a:rPr lang="en-US"/>
+              <a:t>‹#›</a:t>
+            </a:fld>
+            <a:endParaRPr lang="ko-KR" altLang="en-US"/>
+          </a:p>
+        </p:txBody>
+      </p:sp>
     </p:spTree>
   </p:cSld>
   <p:clrMapOvr>
@@ -9753,7 +10709,7 @@
 </file>
 
 <file path=ppt/slides/slide24.xml><?xml version="1.0" encoding="utf-8"?>
-<p:sld xmlns:a="http://schemas.openxmlformats.org/drawingml/2006/main" xmlns:r="http://schemas.openxmlformats.org/officeDocument/2006/relationships" xmlns:p="http://schemas.openxmlformats.org/presentationml/2006/main">
+<p:sld xmlns:a="http://schemas.openxmlformats.org/drawingml/2006/main" xmlns:r="http://schemas.openxmlformats.org/officeDocument/2006/relationships" xmlns:p="http://schemas.openxmlformats.org/presentationml/2006/main" xmlns:p14="http://schemas.microsoft.com/office/powerpoint/2010/main">
   <p:cSld>
     <p:spTree>
       <p:nvGrpSpPr>
@@ -9822,7 +10778,7 @@
       </p:sp>
       <p:pic>
         <p:nvPicPr>
-          <p:cNvPr id="3" name="그림 35" descr="C:/Users/김디디/AppData/Roaming/PolarisOffice/ETemp/8560_13487336/fImage141922688716.png"/>
+          <p:cNvPr id="3" name="그림 35"/>
           <p:cNvPicPr>
             <a:picLocks noChangeAspect="1"/>
           </p:cNvPicPr>
@@ -9849,6 +10805,41 @@
           <a:noFill/>
         </p:spPr>
       </p:pic>
+      <p:sp>
+        <p:nvSpPr>
+          <p:cNvPr id="4" name="Rect 0"/>
+          <p:cNvSpPr txBox="1">
+            <a:spLocks/>
+          </p:cNvSpPr>
+          <p:nvPr>
+            <p:ph type="sldNum" idx="12"/>
+          </p:nvPr>
+        </p:nvSpPr>
+        <p:spPr>
+          <a:xfrm rot="0">
+            <a:off x="531495" y="788035"/>
+            <a:ext cx="781050" cy="366395"/>
+          </a:xfrm>
+          <a:prstGeom prst="rect"/>
+        </p:spPr>
+        <p:txBody>
+          <a:bodyPr wrap="square" lIns="91440" tIns="45720" rIns="91440" bIns="45720" vert="horz" anchor="ctr">
+            <a:noAutofit/>
+          </a:bodyPr>
+          <a:lstStyle/>
+          <a:p>
+            <a:pPr marL="0" indent="0" latinLnBrk="0">
+              <a:buFontTx/>
+              <a:buNone/>
+            </a:pPr>
+            <a:fld id="{B9320F77-B9A0-41C5-862A-B4B631284C64}" type="slidenum">
+              <a:rPr lang="en-US"/>
+              <a:t>‹#›</a:t>
+            </a:fld>
+            <a:endParaRPr lang="ko-KR" altLang="en-US"/>
+          </a:p>
+        </p:txBody>
+      </p:sp>
     </p:spTree>
   </p:cSld>
   <p:clrMapOvr>
@@ -9873,7 +10864,7 @@
 </file>
 
 <file path=ppt/slides/slide25.xml><?xml version="1.0" encoding="utf-8"?>
-<p:sld xmlns:a="http://schemas.openxmlformats.org/drawingml/2006/main" xmlns:r="http://schemas.openxmlformats.org/officeDocument/2006/relationships" xmlns:p="http://schemas.openxmlformats.org/presentationml/2006/main">
+<p:sld xmlns:a="http://schemas.openxmlformats.org/drawingml/2006/main" xmlns:r="http://schemas.openxmlformats.org/officeDocument/2006/relationships" xmlns:p="http://schemas.openxmlformats.org/presentationml/2006/main" xmlns:p14="http://schemas.microsoft.com/office/powerpoint/2010/main">
   <p:cSld>
     <p:spTree>
       <p:nvGrpSpPr>
@@ -9942,7 +10933,7 @@
       </p:sp>
       <p:pic>
         <p:nvPicPr>
-          <p:cNvPr id="3" name="그림 36" descr="C:/Users/김디디/AppData/Roaming/PolarisOffice/ETemp/8560_13487336/fImage196752699718.png"/>
+          <p:cNvPr id="3" name="그림 36"/>
           <p:cNvPicPr>
             <a:picLocks noChangeAspect="1"/>
           </p:cNvPicPr>
@@ -9969,6 +10960,41 @@
           <a:noFill/>
         </p:spPr>
       </p:pic>
+      <p:sp>
+        <p:nvSpPr>
+          <p:cNvPr id="4" name="Rect 0"/>
+          <p:cNvSpPr txBox="1">
+            <a:spLocks/>
+          </p:cNvSpPr>
+          <p:nvPr>
+            <p:ph type="sldNum" idx="12"/>
+          </p:nvPr>
+        </p:nvSpPr>
+        <p:spPr>
+          <a:xfrm rot="0">
+            <a:off x="531495" y="788035"/>
+            <a:ext cx="781050" cy="366395"/>
+          </a:xfrm>
+          <a:prstGeom prst="rect"/>
+        </p:spPr>
+        <p:txBody>
+          <a:bodyPr wrap="square" lIns="91440" tIns="45720" rIns="91440" bIns="45720" vert="horz" anchor="ctr">
+            <a:noAutofit/>
+          </a:bodyPr>
+          <a:lstStyle/>
+          <a:p>
+            <a:pPr marL="0" indent="0" latinLnBrk="0">
+              <a:buFontTx/>
+              <a:buNone/>
+            </a:pPr>
+            <a:fld id="{B9320F77-B9A0-41C5-862A-B4B631284C64}" type="slidenum">
+              <a:rPr lang="en-US"/>
+              <a:t>‹#›</a:t>
+            </a:fld>
+            <a:endParaRPr lang="ko-KR" altLang="en-US"/>
+          </a:p>
+        </p:txBody>
+      </p:sp>
     </p:spTree>
   </p:cSld>
   <p:clrMapOvr>
@@ -9993,7 +11019,7 @@
 </file>
 
 <file path=ppt/slides/slide26.xml><?xml version="1.0" encoding="utf-8"?>
-<p:sld xmlns:a="http://schemas.openxmlformats.org/drawingml/2006/main" xmlns:r="http://schemas.openxmlformats.org/officeDocument/2006/relationships" xmlns:p="http://schemas.openxmlformats.org/presentationml/2006/main">
+<p:sld xmlns:a="http://schemas.openxmlformats.org/drawingml/2006/main" xmlns:r="http://schemas.openxmlformats.org/officeDocument/2006/relationships" xmlns:p="http://schemas.openxmlformats.org/presentationml/2006/main" xmlns:p14="http://schemas.microsoft.com/office/powerpoint/2010/main">
   <p:cSld>
     <p:spTree>
       <p:nvGrpSpPr>
@@ -10062,7 +11088,7 @@
       </p:sp>
       <p:pic>
         <p:nvPicPr>
-          <p:cNvPr id="3" name="그림 37" descr="C:/Users/김디디/AppData/Roaming/PolarisOffice/ETemp/8560_13487336/fImage189542709895.png"/>
+          <p:cNvPr id="3" name="그림 37"/>
           <p:cNvPicPr>
             <a:picLocks noChangeAspect="1"/>
           </p:cNvPicPr>
@@ -10089,6 +11115,41 @@
           <a:noFill/>
         </p:spPr>
       </p:pic>
+      <p:sp>
+        <p:nvSpPr>
+          <p:cNvPr id="4" name="Rect 0"/>
+          <p:cNvSpPr txBox="1">
+            <a:spLocks/>
+          </p:cNvSpPr>
+          <p:nvPr>
+            <p:ph type="sldNum" idx="12"/>
+          </p:nvPr>
+        </p:nvSpPr>
+        <p:spPr>
+          <a:xfrm rot="0">
+            <a:off x="531495" y="788035"/>
+            <a:ext cx="781050" cy="366395"/>
+          </a:xfrm>
+          <a:prstGeom prst="rect"/>
+        </p:spPr>
+        <p:txBody>
+          <a:bodyPr wrap="square" lIns="91440" tIns="45720" rIns="91440" bIns="45720" vert="horz" anchor="ctr">
+            <a:noAutofit/>
+          </a:bodyPr>
+          <a:lstStyle/>
+          <a:p>
+            <a:pPr marL="0" indent="0" latinLnBrk="0">
+              <a:buFontTx/>
+              <a:buNone/>
+            </a:pPr>
+            <a:fld id="{B9320F77-B9A0-41C5-862A-B4B631284C64}" type="slidenum">
+              <a:rPr lang="en-US"/>
+              <a:t>‹#›</a:t>
+            </a:fld>
+            <a:endParaRPr lang="ko-KR" altLang="en-US"/>
+          </a:p>
+        </p:txBody>
+      </p:sp>
     </p:spTree>
   </p:cSld>
   <p:clrMapOvr>
@@ -10113,7 +11174,7 @@
 </file>
 
 <file path=ppt/slides/slide27.xml><?xml version="1.0" encoding="utf-8"?>
-<p:sld xmlns:a="http://schemas.openxmlformats.org/drawingml/2006/main" xmlns:r="http://schemas.openxmlformats.org/officeDocument/2006/relationships" xmlns:p="http://schemas.openxmlformats.org/presentationml/2006/main">
+<p:sld xmlns:a="http://schemas.openxmlformats.org/drawingml/2006/main" xmlns:r="http://schemas.openxmlformats.org/officeDocument/2006/relationships" xmlns:p="http://schemas.openxmlformats.org/presentationml/2006/main" xmlns:p14="http://schemas.microsoft.com/office/powerpoint/2010/main">
   <p:cSld>
     <p:spTree>
       <p:nvGrpSpPr>
@@ -10182,7 +11243,7 @@
       </p:sp>
       <p:pic>
         <p:nvPicPr>
-          <p:cNvPr id="3" name="그림 39" descr="C:/Users/김디디/AppData/Roaming/PolarisOffice/ETemp/8560_13487336/fImage416662725447.png"/>
+          <p:cNvPr id="3" name="그림 39"/>
           <p:cNvPicPr>
             <a:picLocks noChangeAspect="1"/>
           </p:cNvPicPr>
@@ -10209,6 +11270,41 @@
           <a:noFill/>
         </p:spPr>
       </p:pic>
+      <p:sp>
+        <p:nvSpPr>
+          <p:cNvPr id="4" name="Rect 0"/>
+          <p:cNvSpPr txBox="1">
+            <a:spLocks/>
+          </p:cNvSpPr>
+          <p:nvPr>
+            <p:ph type="sldNum" idx="12"/>
+          </p:nvPr>
+        </p:nvSpPr>
+        <p:spPr>
+          <a:xfrm rot="0">
+            <a:off x="531495" y="788035"/>
+            <a:ext cx="781050" cy="366395"/>
+          </a:xfrm>
+          <a:prstGeom prst="rect"/>
+        </p:spPr>
+        <p:txBody>
+          <a:bodyPr wrap="square" lIns="91440" tIns="45720" rIns="91440" bIns="45720" vert="horz" anchor="ctr">
+            <a:noAutofit/>
+          </a:bodyPr>
+          <a:lstStyle/>
+          <a:p>
+            <a:pPr marL="0" indent="0" latinLnBrk="0">
+              <a:buFontTx/>
+              <a:buNone/>
+            </a:pPr>
+            <a:fld id="{B9320F77-B9A0-41C5-862A-B4B631284C64}" type="slidenum">
+              <a:rPr lang="en-US"/>
+              <a:t>‹#›</a:t>
+            </a:fld>
+            <a:endParaRPr lang="ko-KR" altLang="en-US"/>
+          </a:p>
+        </p:txBody>
+      </p:sp>
     </p:spTree>
   </p:cSld>
   <p:clrMapOvr>
@@ -10233,7 +11329,7 @@
 </file>
 
 <file path=ppt/slides/slide28.xml><?xml version="1.0" encoding="utf-8"?>
-<p:sld xmlns:a="http://schemas.openxmlformats.org/drawingml/2006/main" xmlns:r="http://schemas.openxmlformats.org/officeDocument/2006/relationships" xmlns:p="http://schemas.openxmlformats.org/presentationml/2006/main">
+<p:sld xmlns:a="http://schemas.openxmlformats.org/drawingml/2006/main" xmlns:r="http://schemas.openxmlformats.org/officeDocument/2006/relationships" xmlns:p="http://schemas.openxmlformats.org/presentationml/2006/main" xmlns:p14="http://schemas.microsoft.com/office/powerpoint/2010/main">
   <p:cSld>
     <p:spTree>
       <p:nvGrpSpPr>
@@ -10302,7 +11398,7 @@
       </p:sp>
       <p:pic>
         <p:nvPicPr>
-          <p:cNvPr id="3" name="그림 40" descr="C:/Users/김디디/AppData/Roaming/PolarisOffice/ETemp/8560_13487336/fImage420242731726.png"/>
+          <p:cNvPr id="3" name="그림 40"/>
           <p:cNvPicPr>
             <a:picLocks noChangeAspect="1"/>
           </p:cNvPicPr>
@@ -10331,7 +11427,7 @@
       </p:pic>
       <p:pic>
         <p:nvPicPr>
-          <p:cNvPr id="4" name="그림 41" descr="C:/Users/김디디/AppData/Roaming/PolarisOffice/ETemp/8560_13487336/fImage63492744771.png"/>
+          <p:cNvPr id="4" name="그림 41"/>
           <p:cNvPicPr>
             <a:picLocks noChangeAspect="1"/>
           </p:cNvPicPr>
@@ -10358,6 +11454,41 @@
           <a:noFill/>
         </p:spPr>
       </p:pic>
+      <p:sp>
+        <p:nvSpPr>
+          <p:cNvPr id="5" name="Rect 0"/>
+          <p:cNvSpPr txBox="1">
+            <a:spLocks/>
+          </p:cNvSpPr>
+          <p:nvPr>
+            <p:ph type="sldNum" idx="12"/>
+          </p:nvPr>
+        </p:nvSpPr>
+        <p:spPr>
+          <a:xfrm rot="0">
+            <a:off x="531495" y="788035"/>
+            <a:ext cx="781050" cy="366395"/>
+          </a:xfrm>
+          <a:prstGeom prst="rect"/>
+        </p:spPr>
+        <p:txBody>
+          <a:bodyPr wrap="square" lIns="91440" tIns="45720" rIns="91440" bIns="45720" vert="horz" anchor="ctr">
+            <a:noAutofit/>
+          </a:bodyPr>
+          <a:lstStyle/>
+          <a:p>
+            <a:pPr marL="0" indent="0" latinLnBrk="0">
+              <a:buFontTx/>
+              <a:buNone/>
+            </a:pPr>
+            <a:fld id="{B9320F77-B9A0-41C5-862A-B4B631284C64}" type="slidenum">
+              <a:rPr lang="en-US"/>
+              <a:t>‹#›</a:t>
+            </a:fld>
+            <a:endParaRPr lang="ko-KR" altLang="en-US"/>
+          </a:p>
+        </p:txBody>
+      </p:sp>
     </p:spTree>
   </p:cSld>
   <p:clrMapOvr>
@@ -10382,7 +11513,7 @@
 </file>
 
 <file path=ppt/slides/slide29.xml><?xml version="1.0" encoding="utf-8"?>
-<p:sld xmlns:a="http://schemas.openxmlformats.org/drawingml/2006/main" xmlns:r="http://schemas.openxmlformats.org/officeDocument/2006/relationships" xmlns:p="http://schemas.openxmlformats.org/presentationml/2006/main">
+<p:sld xmlns:a="http://schemas.openxmlformats.org/drawingml/2006/main" xmlns:r="http://schemas.openxmlformats.org/officeDocument/2006/relationships" xmlns:p="http://schemas.openxmlformats.org/presentationml/2006/main" xmlns:p14="http://schemas.microsoft.com/office/powerpoint/2010/main">
   <p:cSld>
     <p:spTree>
       <p:nvGrpSpPr>
@@ -10451,7 +11582,7 @@
       </p:sp>
       <p:pic>
         <p:nvPicPr>
-          <p:cNvPr id="3" name="그림 43" descr="C:/Users/김디디/AppData/Roaming/PolarisOffice/ETemp/8560_13487336/fImage2234812891538.png"/>
+          <p:cNvPr id="3" name="그림 43"/>
           <p:cNvPicPr>
             <a:picLocks noChangeAspect="1"/>
           </p:cNvPicPr>
@@ -10478,6 +11609,41 @@
           <a:noFill/>
         </p:spPr>
       </p:pic>
+      <p:sp>
+        <p:nvSpPr>
+          <p:cNvPr id="4" name="Rect 0"/>
+          <p:cNvSpPr txBox="1">
+            <a:spLocks/>
+          </p:cNvSpPr>
+          <p:nvPr>
+            <p:ph type="sldNum" idx="12"/>
+          </p:nvPr>
+        </p:nvSpPr>
+        <p:spPr>
+          <a:xfrm rot="0">
+            <a:off x="531495" y="788035"/>
+            <a:ext cx="781050" cy="366395"/>
+          </a:xfrm>
+          <a:prstGeom prst="rect"/>
+        </p:spPr>
+        <p:txBody>
+          <a:bodyPr wrap="square" lIns="91440" tIns="45720" rIns="91440" bIns="45720" vert="horz" anchor="ctr">
+            <a:noAutofit/>
+          </a:bodyPr>
+          <a:lstStyle/>
+          <a:p>
+            <a:pPr marL="0" indent="0" latinLnBrk="0">
+              <a:buFontTx/>
+              <a:buNone/>
+            </a:pPr>
+            <a:fld id="{B9320F77-B9A0-41C5-862A-B4B631284C64}" type="slidenum">
+              <a:rPr lang="en-US"/>
+              <a:t>‹#›</a:t>
+            </a:fld>
+            <a:endParaRPr lang="ko-KR" altLang="en-US"/>
+          </a:p>
+        </p:txBody>
+      </p:sp>
     </p:spTree>
   </p:cSld>
   <p:clrMapOvr>
@@ -10755,6 +11921,41 @@
           </a:p>
         </p:txBody>
       </p:sp>
+      <p:sp>
+        <p:nvSpPr>
+          <p:cNvPr id="4" name="Rect 0"/>
+          <p:cNvSpPr txBox="1">
+            <a:spLocks/>
+          </p:cNvSpPr>
+          <p:nvPr>
+            <p:ph type="sldNum" idx="12"/>
+          </p:nvPr>
+        </p:nvSpPr>
+        <p:spPr>
+          <a:xfrm rot="0">
+            <a:off x="531495" y="788035"/>
+            <a:ext cx="781050" cy="366395"/>
+          </a:xfrm>
+          <a:prstGeom prst="rect"/>
+        </p:spPr>
+        <p:txBody>
+          <a:bodyPr wrap="square" lIns="91440" tIns="45720" rIns="91440" bIns="45720" vert="horz" anchor="ctr">
+            <a:noAutofit/>
+          </a:bodyPr>
+          <a:lstStyle/>
+          <a:p>
+            <a:pPr marL="0" indent="0" latinLnBrk="0">
+              <a:buFontTx/>
+              <a:buNone/>
+            </a:pPr>
+            <a:fld id="{B9320F77-B9A0-41C5-862A-B4B631284C64}" type="slidenum">
+              <a:rPr lang="en-US"/>
+              <a:t>‹#›</a:t>
+            </a:fld>
+            <a:endParaRPr lang="ko-KR" altLang="en-US"/>
+          </a:p>
+        </p:txBody>
+      </p:sp>
     </p:spTree>
     <p:extLst>
       <p:ext uri="{BB962C8B-B14F-4D97-AF65-F5344CB8AC3E}">
@@ -10784,7 +11985,7 @@
 </file>
 
 <file path=ppt/slides/slide30.xml><?xml version="1.0" encoding="utf-8"?>
-<p:sld xmlns:a="http://schemas.openxmlformats.org/drawingml/2006/main" xmlns:r="http://schemas.openxmlformats.org/officeDocument/2006/relationships" xmlns:p="http://schemas.openxmlformats.org/presentationml/2006/main">
+<p:sld xmlns:a="http://schemas.openxmlformats.org/drawingml/2006/main" xmlns:r="http://schemas.openxmlformats.org/officeDocument/2006/relationships" xmlns:p="http://schemas.openxmlformats.org/presentationml/2006/main" xmlns:p14="http://schemas.microsoft.com/office/powerpoint/2010/main">
   <p:cSld>
     <p:spTree>
       <p:nvGrpSpPr>
@@ -10853,7 +12054,7 @@
       </p:sp>
       <p:pic>
         <p:nvPicPr>
-          <p:cNvPr id="3" name="그림 44" descr="C:/Users/김디디/AppData/Roaming/PolarisOffice/ETemp/8560_13487336/fImage406572901869.png"/>
+          <p:cNvPr id="3" name="그림 44"/>
           <p:cNvPicPr>
             <a:picLocks noChangeAspect="1"/>
           </p:cNvPicPr>
@@ -10880,6 +12081,41 @@
           <a:noFill/>
         </p:spPr>
       </p:pic>
+      <p:sp>
+        <p:nvSpPr>
+          <p:cNvPr id="4" name="Rect 0"/>
+          <p:cNvSpPr txBox="1">
+            <a:spLocks/>
+          </p:cNvSpPr>
+          <p:nvPr>
+            <p:ph type="sldNum" idx="12"/>
+          </p:nvPr>
+        </p:nvSpPr>
+        <p:spPr>
+          <a:xfrm rot="0">
+            <a:off x="531495" y="788035"/>
+            <a:ext cx="781050" cy="366395"/>
+          </a:xfrm>
+          <a:prstGeom prst="rect"/>
+        </p:spPr>
+        <p:txBody>
+          <a:bodyPr wrap="square" lIns="91440" tIns="45720" rIns="91440" bIns="45720" vert="horz" anchor="ctr">
+            <a:noAutofit/>
+          </a:bodyPr>
+          <a:lstStyle/>
+          <a:p>
+            <a:pPr marL="0" indent="0" latinLnBrk="0">
+              <a:buFontTx/>
+              <a:buNone/>
+            </a:pPr>
+            <a:fld id="{B9320F77-B9A0-41C5-862A-B4B631284C64}" type="slidenum">
+              <a:rPr lang="en-US"/>
+              <a:t>‹#›</a:t>
+            </a:fld>
+            <a:endParaRPr lang="ko-KR" altLang="en-US"/>
+          </a:p>
+        </p:txBody>
+      </p:sp>
     </p:spTree>
   </p:cSld>
   <p:clrMapOvr>
@@ -11059,6 +12295,41 @@
               <a:buFont typeface="Wingdings 3"/>
               <a:buChar char="´"/>
             </a:pPr>
+            <a:endParaRPr lang="ko-KR" altLang="en-US"/>
+          </a:p>
+        </p:txBody>
+      </p:sp>
+      <p:sp>
+        <p:nvSpPr>
+          <p:cNvPr id="4" name="Rect 0"/>
+          <p:cNvSpPr txBox="1">
+            <a:spLocks/>
+          </p:cNvSpPr>
+          <p:nvPr>
+            <p:ph type="sldNum" idx="12"/>
+          </p:nvPr>
+        </p:nvSpPr>
+        <p:spPr>
+          <a:xfrm rot="0">
+            <a:off x="531495" y="788035"/>
+            <a:ext cx="781050" cy="366395"/>
+          </a:xfrm>
+          <a:prstGeom prst="rect"/>
+        </p:spPr>
+        <p:txBody>
+          <a:bodyPr wrap="square" lIns="91440" tIns="45720" rIns="91440" bIns="45720" vert="horz" anchor="ctr">
+            <a:noAutofit/>
+          </a:bodyPr>
+          <a:lstStyle/>
+          <a:p>
+            <a:pPr marL="0" indent="0" latinLnBrk="0">
+              <a:buFontTx/>
+              <a:buNone/>
+            </a:pPr>
+            <a:fld id="{B9320F77-B9A0-41C5-862A-B4B631284C64}" type="slidenum">
+              <a:rPr lang="en-US"/>
+              <a:t>‹#›</a:t>
+            </a:fld>
             <a:endParaRPr lang="ko-KR" altLang="en-US"/>
           </a:p>
         </p:txBody>
@@ -11206,6 +12477,41 @@
               <a:buFont typeface="Wingdings 3"/>
               <a:buChar char="´"/>
             </a:pPr>
+            <a:endParaRPr lang="ko-KR" altLang="en-US"/>
+          </a:p>
+        </p:txBody>
+      </p:sp>
+      <p:sp>
+        <p:nvSpPr>
+          <p:cNvPr id="4" name="Rect 0"/>
+          <p:cNvSpPr txBox="1">
+            <a:spLocks/>
+          </p:cNvSpPr>
+          <p:nvPr>
+            <p:ph type="sldNum" idx="12"/>
+          </p:nvPr>
+        </p:nvSpPr>
+        <p:spPr>
+          <a:xfrm rot="0">
+            <a:off x="531495" y="788035"/>
+            <a:ext cx="781050" cy="366395"/>
+          </a:xfrm>
+          <a:prstGeom prst="rect"/>
+        </p:spPr>
+        <p:txBody>
+          <a:bodyPr wrap="square" lIns="91440" tIns="45720" rIns="91440" bIns="45720" vert="horz" anchor="ctr">
+            <a:noAutofit/>
+          </a:bodyPr>
+          <a:lstStyle/>
+          <a:p>
+            <a:pPr marL="0" indent="0" latinLnBrk="0">
+              <a:buFontTx/>
+              <a:buNone/>
+            </a:pPr>
+            <a:fld id="{B9320F77-B9A0-41C5-862A-B4B631284C64}" type="slidenum">
+              <a:rPr lang="en-US"/>
+              <a:t>‹#›</a:t>
+            </a:fld>
             <a:endParaRPr lang="ko-KR" altLang="en-US"/>
           </a:p>
         </p:txBody>
@@ -12156,6 +13462,41 @@
           </a:graphicData>
         </a:graphic>
       </p:graphicFrame>
+      <p:sp>
+        <p:nvSpPr>
+          <p:cNvPr id="5" name="Rect 0"/>
+          <p:cNvSpPr txBox="1">
+            <a:spLocks/>
+          </p:cNvSpPr>
+          <p:nvPr>
+            <p:ph type="sldNum" idx="12"/>
+          </p:nvPr>
+        </p:nvSpPr>
+        <p:spPr>
+          <a:xfrm rot="0">
+            <a:off x="531495" y="788035"/>
+            <a:ext cx="781050" cy="366395"/>
+          </a:xfrm>
+          <a:prstGeom prst="rect"/>
+        </p:spPr>
+        <p:txBody>
+          <a:bodyPr wrap="square" lIns="91440" tIns="45720" rIns="91440" bIns="45720" vert="horz" anchor="ctr">
+            <a:noAutofit/>
+          </a:bodyPr>
+          <a:lstStyle/>
+          <a:p>
+            <a:pPr marL="0" indent="0" latinLnBrk="0">
+              <a:buFontTx/>
+              <a:buNone/>
+            </a:pPr>
+            <a:fld id="{B9320F77-B9A0-41C5-862A-B4B631284C64}" type="slidenum">
+              <a:rPr lang="en-US"/>
+              <a:t>‹#›</a:t>
+            </a:fld>
+            <a:endParaRPr lang="ko-KR" altLang="en-US"/>
+          </a:p>
+        </p:txBody>
+      </p:sp>
     </p:spTree>
     <p:extLst>
       <p:ext uri="{BB962C8B-B14F-4D97-AF65-F5344CB8AC3E}">
@@ -13874,6 +15215,41 @@
           </a:graphicData>
         </a:graphic>
       </p:graphicFrame>
+      <p:sp>
+        <p:nvSpPr>
+          <p:cNvPr id="5" name="Rect 0"/>
+          <p:cNvSpPr txBox="1">
+            <a:spLocks/>
+          </p:cNvSpPr>
+          <p:nvPr>
+            <p:ph type="sldNum" idx="12"/>
+          </p:nvPr>
+        </p:nvSpPr>
+        <p:spPr>
+          <a:xfrm rot="0">
+            <a:off x="531495" y="788035"/>
+            <a:ext cx="781050" cy="366395"/>
+          </a:xfrm>
+          <a:prstGeom prst="rect"/>
+        </p:spPr>
+        <p:txBody>
+          <a:bodyPr wrap="square" lIns="91440" tIns="45720" rIns="91440" bIns="45720" vert="horz" anchor="ctr">
+            <a:noAutofit/>
+          </a:bodyPr>
+          <a:lstStyle/>
+          <a:p>
+            <a:pPr marL="0" indent="0" latinLnBrk="0">
+              <a:buFontTx/>
+              <a:buNone/>
+            </a:pPr>
+            <a:fld id="{B9320F77-B9A0-41C5-862A-B4B631284C64}" type="slidenum">
+              <a:rPr lang="en-US"/>
+              <a:t>5</a:t>
+            </a:fld>
+            <a:endParaRPr lang="ko-KR" altLang="en-US"/>
+          </a:p>
+        </p:txBody>
+      </p:sp>
     </p:spTree>
     <p:extLst>
       <p:ext uri="{BB962C8B-B14F-4D97-AF65-F5344CB8AC3E}">
@@ -13903,7 +15279,7 @@
 </file>
 
 <file path=ppt/slides/slide6.xml><?xml version="1.0" encoding="utf-8"?>
-<p:sld xmlns:a="http://schemas.openxmlformats.org/drawingml/2006/main" xmlns:r="http://schemas.openxmlformats.org/officeDocument/2006/relationships" xmlns:p="http://schemas.openxmlformats.org/presentationml/2006/main">
+<p:sld xmlns:a="http://schemas.openxmlformats.org/drawingml/2006/main" xmlns:r="http://schemas.openxmlformats.org/officeDocument/2006/relationships" xmlns:p="http://schemas.openxmlformats.org/presentationml/2006/main" xmlns:p14="http://schemas.microsoft.com/office/powerpoint/2010/main">
   <p:cSld>
     <p:spTree>
       <p:nvGrpSpPr>
@@ -13968,7 +15344,7 @@
       </p:sp>
       <p:pic>
         <p:nvPicPr>
-          <p:cNvPr id="4" name="그림 45" descr="C:/Users/김디디/AppData/Roaming/PolarisOffice/ETemp/8560_13487336/fImage1275929541.png"/>
+          <p:cNvPr id="4" name="그림 45"/>
           <p:cNvPicPr>
             <a:picLocks noChangeAspect="1"/>
           </p:cNvPicPr>
@@ -13995,6 +15371,41 @@
           <a:noFill/>
         </p:spPr>
       </p:pic>
+      <p:sp>
+        <p:nvSpPr>
+          <p:cNvPr id="5" name="Rect 0"/>
+          <p:cNvSpPr txBox="1">
+            <a:spLocks/>
+          </p:cNvSpPr>
+          <p:nvPr>
+            <p:ph type="sldNum" idx="12"/>
+          </p:nvPr>
+        </p:nvSpPr>
+        <p:spPr>
+          <a:xfrm rot="0">
+            <a:off x="531495" y="788035"/>
+            <a:ext cx="781050" cy="366395"/>
+          </a:xfrm>
+          <a:prstGeom prst="rect"/>
+        </p:spPr>
+        <p:txBody>
+          <a:bodyPr wrap="square" lIns="91440" tIns="45720" rIns="91440" bIns="45720" vert="horz" anchor="ctr">
+            <a:noAutofit/>
+          </a:bodyPr>
+          <a:lstStyle/>
+          <a:p>
+            <a:pPr marL="0" indent="0" latinLnBrk="0">
+              <a:buFontTx/>
+              <a:buNone/>
+            </a:pPr>
+            <a:fld id="{B9320F77-B9A0-41C5-862A-B4B631284C64}" type="slidenum">
+              <a:rPr lang="en-US"/>
+              <a:t>‹#›</a:t>
+            </a:fld>
+            <a:endParaRPr lang="ko-KR" altLang="en-US"/>
+          </a:p>
+        </p:txBody>
+      </p:sp>
     </p:spTree>
   </p:cSld>
   <p:clrMapOvr>
@@ -14008,6 +15419,13 @@
       <p:transition spd="slow"/>
     </mc:Fallback>
   </mc:AlternateContent>
+  <p:timing>
+    <p:tnLst>
+      <p:par>
+        <p:cTn id="1" dur="indefinite" restart="never" nodeType="tmRoot"/>
+      </p:par>
+    </p:tnLst>
+  </p:timing>
 </p:sld>
 </file>
 
@@ -14068,7 +15486,7 @@
       </p:sp>
       <p:pic>
         <p:nvPicPr>
-          <p:cNvPr id="3" name="그림 7" descr="C:/Users/김디디/AppData/Roaming/PolarisOffice/ETemp/8560_13487336/fImage200732038467.png"/>
+          <p:cNvPr id="3" name="그림 7"/>
           <p:cNvPicPr>
             <a:picLocks noChangeAspect="1"/>
           </p:cNvPicPr>
@@ -14095,6 +15513,41 @@
           <a:noFill/>
         </p:spPr>
       </p:pic>
+      <p:sp>
+        <p:nvSpPr>
+          <p:cNvPr id="4" name="Rect 0"/>
+          <p:cNvSpPr txBox="1">
+            <a:spLocks/>
+          </p:cNvSpPr>
+          <p:nvPr>
+            <p:ph type="sldNum" idx="12"/>
+          </p:nvPr>
+        </p:nvSpPr>
+        <p:spPr>
+          <a:xfrm rot="0">
+            <a:off x="531495" y="788035"/>
+            <a:ext cx="781050" cy="366395"/>
+          </a:xfrm>
+          <a:prstGeom prst="rect"/>
+        </p:spPr>
+        <p:txBody>
+          <a:bodyPr wrap="square" lIns="91440" tIns="45720" rIns="91440" bIns="45720" vert="horz" anchor="ctr">
+            <a:noAutofit/>
+          </a:bodyPr>
+          <a:lstStyle/>
+          <a:p>
+            <a:pPr marL="0" indent="0" latinLnBrk="0">
+              <a:buFontTx/>
+              <a:buNone/>
+            </a:pPr>
+            <a:fld id="{B9320F77-B9A0-41C5-862A-B4B631284C64}" type="slidenum">
+              <a:rPr lang="en-US"/>
+              <a:t>‹#›</a:t>
+            </a:fld>
+            <a:endParaRPr lang="ko-KR" altLang="en-US"/>
+          </a:p>
+        </p:txBody>
+      </p:sp>
     </p:spTree>
     <p:extLst>
       <p:ext uri="{BB962C8B-B14F-4D97-AF65-F5344CB8AC3E}">
@@ -14124,7 +15577,7 @@
 </file>
 
 <file path=ppt/slides/slide8.xml><?xml version="1.0" encoding="utf-8"?>
-<p:sld xmlns:a="http://schemas.openxmlformats.org/drawingml/2006/main" xmlns:r="http://schemas.openxmlformats.org/officeDocument/2006/relationships" xmlns:p="http://schemas.openxmlformats.org/presentationml/2006/main">
+<p:sld xmlns:a="http://schemas.openxmlformats.org/drawingml/2006/main" xmlns:r="http://schemas.openxmlformats.org/officeDocument/2006/relationships" xmlns:p="http://schemas.openxmlformats.org/presentationml/2006/main" xmlns:p14="http://schemas.microsoft.com/office/powerpoint/2010/main">
   <p:cSld>
     <p:spTree>
       <p:nvGrpSpPr>
@@ -14193,7 +15646,7 @@
       </p:sp>
       <p:pic>
         <p:nvPicPr>
-          <p:cNvPr id="3" name="그림 8" descr="C:/Users/김디디/AppData/Roaming/PolarisOffice/ETemp/8560_13487336/fImage203522066334.png"/>
+          <p:cNvPr id="3" name="그림 8"/>
           <p:cNvPicPr>
             <a:picLocks noChangeAspect="1"/>
           </p:cNvPicPr>
@@ -14222,7 +15675,7 @@
       </p:pic>
       <p:pic>
         <p:nvPicPr>
-          <p:cNvPr id="4" name="그림 9" descr="C:/Users/김디디/AppData/Roaming/PolarisOffice/ETemp/8560_13487336/fImage96522076500.png"/>
+          <p:cNvPr id="4" name="그림 9"/>
           <p:cNvPicPr>
             <a:picLocks noChangeAspect="1"/>
           </p:cNvPicPr>
@@ -14287,6 +15740,41 @@
           </a:fontRef>
         </p:style>
       </p:cxnSp>
+      <p:sp>
+        <p:nvSpPr>
+          <p:cNvPr id="6" name="Rect 0"/>
+          <p:cNvSpPr txBox="1">
+            <a:spLocks/>
+          </p:cNvSpPr>
+          <p:nvPr>
+            <p:ph type="sldNum" idx="12"/>
+          </p:nvPr>
+        </p:nvSpPr>
+        <p:spPr>
+          <a:xfrm rot="0">
+            <a:off x="531495" y="788035"/>
+            <a:ext cx="781050" cy="366395"/>
+          </a:xfrm>
+          <a:prstGeom prst="rect"/>
+        </p:spPr>
+        <p:txBody>
+          <a:bodyPr wrap="square" lIns="91440" tIns="45720" rIns="91440" bIns="45720" vert="horz" anchor="ctr">
+            <a:noAutofit/>
+          </a:bodyPr>
+          <a:lstStyle/>
+          <a:p>
+            <a:pPr marL="0" indent="0" latinLnBrk="0">
+              <a:buFontTx/>
+              <a:buNone/>
+            </a:pPr>
+            <a:fld id="{B9320F77-B9A0-41C5-862A-B4B631284C64}" type="slidenum">
+              <a:rPr lang="en-US"/>
+              <a:t>‹#›</a:t>
+            </a:fld>
+            <a:endParaRPr lang="ko-KR" altLang="en-US"/>
+          </a:p>
+        </p:txBody>
+      </p:sp>
     </p:spTree>
   </p:cSld>
   <p:clrMapOvr>
@@ -14311,7 +15799,7 @@
 </file>
 
 <file path=ppt/slides/slide9.xml><?xml version="1.0" encoding="utf-8"?>
-<p:sld xmlns:a="http://schemas.openxmlformats.org/drawingml/2006/main" xmlns:r="http://schemas.openxmlformats.org/officeDocument/2006/relationships" xmlns:p="http://schemas.openxmlformats.org/presentationml/2006/main">
+<p:sld xmlns:a="http://schemas.openxmlformats.org/drawingml/2006/main" xmlns:r="http://schemas.openxmlformats.org/officeDocument/2006/relationships" xmlns:p="http://schemas.openxmlformats.org/presentationml/2006/main" xmlns:p14="http://schemas.microsoft.com/office/powerpoint/2010/main">
   <p:cSld>
     <p:spTree>
       <p:nvGrpSpPr>
@@ -14380,7 +15868,7 @@
       </p:sp>
       <p:pic>
         <p:nvPicPr>
-          <p:cNvPr id="3" name="그림 16" descr="C:/Users/김디디/AppData/Roaming/PolarisOffice/ETemp/8560_13487336/fImage156322379169.png"/>
+          <p:cNvPr id="3" name="그림 16"/>
           <p:cNvPicPr>
             <a:picLocks noChangeAspect="1"/>
           </p:cNvPicPr>
@@ -14409,7 +15897,7 @@
       </p:pic>
       <p:pic>
         <p:nvPicPr>
-          <p:cNvPr id="4" name="그림 17" descr="C:/Users/김디디/AppData/Roaming/PolarisOffice/ETemp/8560_13487336/fImage164372385724.png"/>
+          <p:cNvPr id="4" name="그림 17"/>
           <p:cNvPicPr>
             <a:picLocks noChangeAspect="1"/>
           </p:cNvPicPr>
@@ -14438,7 +15926,7 @@
       </p:pic>
       <p:pic>
         <p:nvPicPr>
-          <p:cNvPr id="5" name="그림 18" descr="C:/Users/김디디/AppData/Roaming/PolarisOffice/ETemp/8560_13487336/fImage165852391478.png"/>
+          <p:cNvPr id="5" name="그림 18"/>
           <p:cNvPicPr>
             <a:picLocks noChangeAspect="1"/>
           </p:cNvPicPr>
@@ -14465,6 +15953,41 @@
           <a:noFill/>
         </p:spPr>
       </p:pic>
+      <p:sp>
+        <p:nvSpPr>
+          <p:cNvPr id="6" name="Rect 0"/>
+          <p:cNvSpPr txBox="1">
+            <a:spLocks/>
+          </p:cNvSpPr>
+          <p:nvPr>
+            <p:ph type="sldNum" idx="12"/>
+          </p:nvPr>
+        </p:nvSpPr>
+        <p:spPr>
+          <a:xfrm rot="0">
+            <a:off x="531495" y="788035"/>
+            <a:ext cx="781050" cy="366395"/>
+          </a:xfrm>
+          <a:prstGeom prst="rect"/>
+        </p:spPr>
+        <p:txBody>
+          <a:bodyPr wrap="square" lIns="91440" tIns="45720" rIns="91440" bIns="45720" vert="horz" anchor="ctr">
+            <a:noAutofit/>
+          </a:bodyPr>
+          <a:lstStyle/>
+          <a:p>
+            <a:pPr marL="0" indent="0" latinLnBrk="0">
+              <a:buFontTx/>
+              <a:buNone/>
+            </a:pPr>
+            <a:fld id="{B9320F77-B9A0-41C5-862A-B4B631284C64}" type="slidenum">
+              <a:rPr lang="en-US"/>
+              <a:t>‹#›</a:t>
+            </a:fld>
+            <a:endParaRPr lang="ko-KR" altLang="en-US"/>
+          </a:p>
+        </p:txBody>
+      </p:sp>
     </p:spTree>
   </p:cSld>
   <p:clrMapOvr>

--- a/ppt/Swing Project.pptx
+++ b/ppt/Swing Project.pptx
@@ -2,7 +2,7 @@
 <file path=ppt/presentation.xml><?xml version="1.0" encoding="utf-8"?>
 <p:presentation xmlns:a="http://schemas.openxmlformats.org/drawingml/2006/main" xmlns:r="http://schemas.openxmlformats.org/officeDocument/2006/relationships" xmlns:p="http://schemas.openxmlformats.org/presentationml/2006/main" xmlns:p14="http://schemas.microsoft.com/office/powerpoint/2010/main" autoCompressPictures="0">
   <p:sldMasterIdLst>
-    <p:sldMasterId id="2147483953" r:id="rId18"/>
+    <p:sldMasterId id="2147483954" r:id="rId18"/>
   </p:sldMasterIdLst>
   <p:sldIdLst>
     <p:sldId id="256" r:id="rId20"/>
@@ -8226,93 +8226,108 @@
           </a:p>
         </p:txBody>
       </p:sp>
-      <p:pic>
-        <p:nvPicPr>
-          <p:cNvPr id="3" name="그림 20"/>
-          <p:cNvPicPr>
-            <a:picLocks noChangeAspect="1"/>
-          </p:cNvPicPr>
+      <p:grpSp>
+        <p:nvGrpSpPr>
+          <p:cNvPr id="7" name="그룹 3"/>
+          <p:cNvGrpSpPr/>
           <p:nvPr/>
-        </p:nvPicPr>
-        <p:blipFill rotWithShape="1">
-          <a:blip r:embed="rId2" cstate="print">
-            <a:extLst>
-              <a:ext uri="{28A0092B-C50C-407E-A947-70E740481C1C}">
-                <a14:useLocalDpi xmlns:a14="http://schemas.microsoft.com/office/drawing/2010/main" val="0"/>
-              </a:ext>
-            </a:extLst>
-          </a:blip>
-          <a:stretch>
-            <a:fillRect/>
-          </a:stretch>
-        </p:blipFill>
-        <p:spPr>
+        </p:nvGrpSpPr>
+        <p:grpSpPr>
           <a:xfrm rot="0">
-            <a:off x="442595" y="1913890"/>
-            <a:ext cx="3667760" cy="4667885"/>
-          </a:xfrm>
-          <a:prstGeom prst="rect"/>
-          <a:noFill/>
-        </p:spPr>
-      </p:pic>
-      <p:pic>
-        <p:nvPicPr>
-          <p:cNvPr id="4" name="그림 21"/>
-          <p:cNvPicPr>
-            <a:picLocks noChangeAspect="1"/>
-          </p:cNvPicPr>
-          <p:nvPr/>
-        </p:nvPicPr>
-        <p:blipFill rotWithShape="1">
-          <a:blip r:embed="rId3" cstate="print">
-            <a:extLst>
-              <a:ext uri="{28A0092B-C50C-407E-A947-70E740481C1C}">
-                <a14:useLocalDpi xmlns:a14="http://schemas.microsoft.com/office/drawing/2010/main" val="0"/>
-              </a:ext>
-            </a:extLst>
-          </a:blip>
-          <a:stretch>
-            <a:fillRect/>
-          </a:stretch>
-        </p:blipFill>
-        <p:spPr>
-          <a:xfrm rot="0">
-            <a:off x="4271645" y="1918335"/>
-            <a:ext cx="3648710" cy="4658360"/>
-          </a:xfrm>
-          <a:prstGeom prst="rect"/>
-          <a:noFill/>
-        </p:spPr>
-      </p:pic>
-      <p:pic>
-        <p:nvPicPr>
-          <p:cNvPr id="5" name="그림 22"/>
-          <p:cNvPicPr>
-            <a:picLocks noChangeAspect="1"/>
-          </p:cNvPicPr>
-          <p:nvPr/>
-        </p:nvPicPr>
-        <p:blipFill rotWithShape="1">
-          <a:blip r:embed="rId4" cstate="print">
-            <a:extLst>
-              <a:ext uri="{28A0092B-C50C-407E-A947-70E740481C1C}">
-                <a14:useLocalDpi xmlns:a14="http://schemas.microsoft.com/office/drawing/2010/main" val="0"/>
-              </a:ext>
-            </a:extLst>
-          </a:blip>
-          <a:stretch>
-            <a:fillRect/>
-          </a:stretch>
-        </p:blipFill>
-        <p:spPr>
-          <a:xfrm rot="0">
-            <a:off x="8125460" y="1918335"/>
-            <a:ext cx="3648710" cy="4658360"/>
-          </a:xfrm>
-          <a:prstGeom prst="rect"/>
-          <a:noFill/>
-        </p:spPr>
-      </p:pic>
+            <a:off x="442595" y="1896745"/>
+            <a:ext cx="11332210" cy="4680585"/>
+            <a:chOff x="442595" y="1896745"/>
+            <a:chExt cx="11332210" cy="4680585"/>
+          </a:xfrm>
+        </p:grpSpPr>
+        <p:pic>
+          <p:nvPicPr>
+            <p:cNvPr id="3" name="그림 20" descr="C:/Users/김디디/AppData/Roaming/PolarisOffice/ETemp/16700_13867888/fImage165822419358.png"/>
+            <p:cNvPicPr>
+              <a:picLocks noChangeAspect="1"/>
+            </p:cNvPicPr>
+            <p:nvPr/>
+          </p:nvPicPr>
+          <p:blipFill rotWithShape="1">
+            <a:blip r:embed="rId2" cstate="hqprint">
+              <a:extLst>
+                <a:ext uri="{28A0092B-C50C-407E-A947-70E740481C1C}">
+                  <a14:useLocalDpi xmlns:a14="http://schemas.microsoft.com/office/drawing/2010/main"/>
+                </a:ext>
+              </a:extLst>
+            </a:blip>
+            <a:stretch>
+              <a:fillRect/>
+            </a:stretch>
+          </p:blipFill>
+          <p:spPr>
+            <a:xfrm rot="0">
+              <a:off x="442595" y="1896745"/>
+              <a:ext cx="3668395" cy="4668520"/>
+            </a:xfrm>
+            <a:prstGeom prst="rect"/>
+            <a:noFill/>
+          </p:spPr>
+        </p:pic>
+        <p:pic>
+          <p:nvPicPr>
+            <p:cNvPr id="4" name="그림 21" descr="C:/Users/김디디/AppData/Roaming/PolarisOffice/ETemp/16700_13867888/fImage158192426962.png"/>
+            <p:cNvPicPr>
+              <a:picLocks noChangeAspect="1"/>
+            </p:cNvPicPr>
+            <p:nvPr/>
+          </p:nvPicPr>
+          <p:blipFill rotWithShape="1">
+            <a:blip r:embed="rId3" cstate="hqprint">
+              <a:extLst>
+                <a:ext uri="{28A0092B-C50C-407E-A947-70E740481C1C}">
+                  <a14:useLocalDpi xmlns:a14="http://schemas.microsoft.com/office/drawing/2010/main"/>
+                </a:ext>
+              </a:extLst>
+            </a:blip>
+            <a:stretch>
+              <a:fillRect/>
+            </a:stretch>
+          </p:blipFill>
+          <p:spPr>
+            <a:xfrm rot="0">
+              <a:off x="4271645" y="1901190"/>
+              <a:ext cx="3649345" cy="4658995"/>
+            </a:xfrm>
+            <a:prstGeom prst="rect"/>
+            <a:noFill/>
+          </p:spPr>
+        </p:pic>
+        <p:pic>
+          <p:nvPicPr>
+            <p:cNvPr id="5" name="그림 22" descr="C:/Users/김디디/AppData/Roaming/PolarisOffice/ETemp/16700_13867888/fImage165352434464.png"/>
+            <p:cNvPicPr>
+              <a:picLocks noChangeAspect="1"/>
+            </p:cNvPicPr>
+            <p:nvPr/>
+          </p:nvPicPr>
+          <p:blipFill rotWithShape="1">
+            <a:blip r:embed="rId4" cstate="hqprint">
+              <a:extLst>
+                <a:ext uri="{28A0092B-C50C-407E-A947-70E740481C1C}">
+                  <a14:useLocalDpi xmlns:a14="http://schemas.microsoft.com/office/drawing/2010/main"/>
+                </a:ext>
+              </a:extLst>
+            </a:blip>
+            <a:stretch>
+              <a:fillRect/>
+            </a:stretch>
+          </p:blipFill>
+          <p:spPr>
+            <a:xfrm rot="0">
+              <a:off x="8125460" y="1918335"/>
+              <a:ext cx="3649345" cy="4658995"/>
+            </a:xfrm>
+            <a:prstGeom prst="rect"/>
+            <a:noFill/>
+          </p:spPr>
+        </p:pic>
+      </p:grpSp>
       <p:sp>
         <p:nvSpPr>
           <p:cNvPr id="6" name="Rect 0"/>
@@ -11396,64 +11411,79 @@
           </a:p>
         </p:txBody>
       </p:sp>
-      <p:pic>
-        <p:nvPicPr>
-          <p:cNvPr id="3" name="그림 40"/>
-          <p:cNvPicPr>
-            <a:picLocks noChangeAspect="1"/>
-          </p:cNvPicPr>
+      <p:grpSp>
+        <p:nvGrpSpPr>
+          <p:cNvPr id="6" name="그룹 4"/>
+          <p:cNvGrpSpPr/>
           <p:nvPr/>
-        </p:nvPicPr>
-        <p:blipFill rotWithShape="1">
-          <a:blip r:embed="rId2" cstate="print">
-            <a:extLst>
-              <a:ext uri="{28A0092B-C50C-407E-A947-70E740481C1C}">
-                <a14:useLocalDpi xmlns:a14="http://schemas.microsoft.com/office/drawing/2010/main" val="0"/>
-              </a:ext>
-            </a:extLst>
-          </a:blip>
-          <a:stretch>
-            <a:fillRect/>
-          </a:stretch>
-        </p:blipFill>
-        <p:spPr>
+        </p:nvGrpSpPr>
+        <p:grpSpPr>
           <a:xfrm rot="0">
-            <a:off x="876300" y="1814195"/>
-            <a:ext cx="10440035" cy="4696460"/>
-          </a:xfrm>
-          <a:prstGeom prst="rect"/>
-          <a:noFill/>
-        </p:spPr>
-      </p:pic>
-      <p:pic>
-        <p:nvPicPr>
-          <p:cNvPr id="4" name="그림 41"/>
-          <p:cNvPicPr>
-            <a:picLocks noChangeAspect="1"/>
-          </p:cNvPicPr>
-          <p:nvPr/>
-        </p:nvPicPr>
-        <p:blipFill rotWithShape="1">
-          <a:blip r:embed="rId3" cstate="print">
-            <a:extLst>
-              <a:ext uri="{28A0092B-C50C-407E-A947-70E740481C1C}">
-                <a14:useLocalDpi xmlns:a14="http://schemas.microsoft.com/office/drawing/2010/main" val="0"/>
-              </a:ext>
-            </a:extLst>
-          </a:blip>
-          <a:stretch>
-            <a:fillRect/>
-          </a:stretch>
-        </p:blipFill>
-        <p:spPr>
-          <a:xfrm rot="0">
-            <a:off x="7038340" y="1696085"/>
-            <a:ext cx="2515235" cy="1181735"/>
-          </a:xfrm>
-          <a:prstGeom prst="rect"/>
-          <a:noFill/>
-        </p:spPr>
-      </p:pic>
+            <a:off x="876300" y="1696085"/>
+            <a:ext cx="10440670" cy="4815205"/>
+            <a:chOff x="876300" y="1696085"/>
+            <a:chExt cx="10440670" cy="4815205"/>
+          </a:xfrm>
+        </p:grpSpPr>
+        <p:pic>
+          <p:nvPicPr>
+            <p:cNvPr id="3" name="그림 40" descr="C:/Users/김디디/AppData/Roaming/PolarisOffice/ETemp/16700_13867888/fImage420242731726.png"/>
+            <p:cNvPicPr>
+              <a:picLocks noChangeAspect="1"/>
+            </p:cNvPicPr>
+            <p:nvPr/>
+          </p:nvPicPr>
+          <p:blipFill rotWithShape="1">
+            <a:blip r:embed="rId2" cstate="hqprint">
+              <a:extLst>
+                <a:ext uri="{28A0092B-C50C-407E-A947-70E740481C1C}">
+                  <a14:useLocalDpi xmlns:a14="http://schemas.microsoft.com/office/drawing/2010/main"/>
+                </a:ext>
+              </a:extLst>
+            </a:blip>
+            <a:stretch>
+              <a:fillRect/>
+            </a:stretch>
+          </p:blipFill>
+          <p:spPr>
+            <a:xfrm rot="0">
+              <a:off x="876300" y="1814195"/>
+              <a:ext cx="10440670" cy="4697095"/>
+            </a:xfrm>
+            <a:prstGeom prst="rect"/>
+            <a:noFill/>
+          </p:spPr>
+        </p:pic>
+        <p:pic>
+          <p:nvPicPr>
+            <p:cNvPr id="4" name="그림 41" descr="C:/Users/김디디/AppData/Roaming/PolarisOffice/ETemp/16700_13867888/fImage63492744771.png"/>
+            <p:cNvPicPr>
+              <a:picLocks noChangeAspect="1"/>
+            </p:cNvPicPr>
+            <p:nvPr/>
+          </p:nvPicPr>
+          <p:blipFill rotWithShape="1">
+            <a:blip r:embed="rId3" cstate="hqprint">
+              <a:extLst>
+                <a:ext uri="{28A0092B-C50C-407E-A947-70E740481C1C}">
+                  <a14:useLocalDpi xmlns:a14="http://schemas.microsoft.com/office/drawing/2010/main"/>
+                </a:ext>
+              </a:extLst>
+            </a:blip>
+            <a:stretch>
+              <a:fillRect/>
+            </a:stretch>
+          </p:blipFill>
+          <p:spPr>
+            <a:xfrm rot="0">
+              <a:off x="7038340" y="1696085"/>
+              <a:ext cx="2515870" cy="1182370"/>
+            </a:xfrm>
+            <a:prstGeom prst="rect"/>
+            <a:noFill/>
+          </p:spPr>
+        </p:pic>
+      </p:grpSp>
       <p:sp>
         <p:nvSpPr>
           <p:cNvPr id="5" name="Rect 0"/>
@@ -15644,102 +15674,116 @@
           </a:p>
         </p:txBody>
       </p:sp>
-      <p:pic>
-        <p:nvPicPr>
-          <p:cNvPr id="3" name="그림 8"/>
-          <p:cNvPicPr>
-            <a:picLocks noChangeAspect="1"/>
-          </p:cNvPicPr>
+      <p:grpSp>
+        <p:nvGrpSpPr>
+          <p:cNvPr id="7" name="그룹 1"/>
+          <p:cNvGrpSpPr/>
           <p:nvPr/>
-        </p:nvPicPr>
-        <p:blipFill rotWithShape="1">
-          <a:blip r:embed="rId2" cstate="print">
-            <a:extLst>
-              <a:ext uri="{28A0092B-C50C-407E-A947-70E740481C1C}">
-                <a14:useLocalDpi xmlns:a14="http://schemas.microsoft.com/office/drawing/2010/main" val="0"/>
-              </a:ext>
-            </a:extLst>
-          </a:blip>
-          <a:stretch>
-            <a:fillRect/>
-          </a:stretch>
-        </p:blipFill>
-        <p:spPr>
+        </p:nvGrpSpPr>
+        <p:grpSpPr>
           <a:xfrm rot="0">
-            <a:off x="833755" y="1557020"/>
-            <a:ext cx="6534785" cy="3743960"/>
-          </a:xfrm>
-          <a:prstGeom prst="rect"/>
-          <a:noFill/>
-        </p:spPr>
-      </p:pic>
-      <p:pic>
-        <p:nvPicPr>
-          <p:cNvPr id="4" name="그림 9"/>
-          <p:cNvPicPr>
-            <a:picLocks noChangeAspect="1"/>
-          </p:cNvPicPr>
-          <p:nvPr/>
-        </p:nvPicPr>
-        <p:blipFill rotWithShape="1">
-          <a:blip r:embed="rId3" cstate="print">
-            <a:extLst>
-              <a:ext uri="{28A0092B-C50C-407E-A947-70E740481C1C}">
-                <a14:useLocalDpi xmlns:a14="http://schemas.microsoft.com/office/drawing/2010/main" val="0"/>
-              </a:ext>
-            </a:extLst>
-          </a:blip>
-          <a:stretch>
-            <a:fillRect/>
-          </a:stretch>
-        </p:blipFill>
-        <p:spPr>
-          <a:xfrm rot="0">
-            <a:off x="8051800" y="1259840"/>
-            <a:ext cx="3677285" cy="4696460"/>
-          </a:xfrm>
-          <a:prstGeom prst="rect"/>
-          <a:noFill/>
-        </p:spPr>
-      </p:pic>
-      <p:cxnSp>
-        <p:nvCxnSpPr>
-          <p:cNvPr id="5" name="도형 10"/>
-          <p:cNvCxnSpPr/>
-          <p:nvPr/>
-        </p:nvCxnSpPr>
-        <p:spPr>
-          <a:xfrm rot="0" flipV="1">
-            <a:off x="2950210" y="1466850"/>
-            <a:ext cx="5047615" cy="3359785"/>
-          </a:xfrm>
-          <a:prstGeom prst="bentConnector3">
-            <a:avLst>
-              <a:gd name="adj1" fmla="val 50000"/>
-            </a:avLst>
-          </a:prstGeom>
-          <a:ln w="57150" cap="rnd" cmpd="sng">
-            <a:prstDash val="solid"/>
-            <a:round/>
-            <a:headEnd type="none" w="med" len="med"/>
-            <a:tailEnd type="triangle" w="med" len="med"/>
-          </a:ln>
-        </p:spPr>
-        <p:style>
-          <a:lnRef idx="2">
-            <a:schemeClr val="accent2"/>
-          </a:lnRef>
-          <a:fillRef idx="0">
-            <a:schemeClr val="accent2"/>
-          </a:fillRef>
-          <a:effectRef idx="1">
-            <a:schemeClr val="accent2"/>
-          </a:effectRef>
-          <a:fontRef idx="minor">
-            <a:schemeClr val="tx1"/>
-          </a:fontRef>
-        </p:style>
-      </p:cxnSp>
+            <a:off x="833755" y="1259840"/>
+            <a:ext cx="10895965" cy="4697095"/>
+            <a:chOff x="833755" y="1259840"/>
+            <a:chExt cx="10895965" cy="4697095"/>
+          </a:xfrm>
+        </p:grpSpPr>
+        <p:pic>
+          <p:nvPicPr>
+            <p:cNvPr id="3" name="그림 8" descr="C:/Users/김디디/AppData/Roaming/PolarisOffice/ETemp/16700_13867888/fImage203522066334.png"/>
+            <p:cNvPicPr>
+              <a:picLocks noChangeAspect="1"/>
+            </p:cNvPicPr>
+            <p:nvPr/>
+          </p:nvPicPr>
+          <p:blipFill rotWithShape="1">
+            <a:blip r:embed="rId2" cstate="hqprint">
+              <a:extLst>
+                <a:ext uri="{28A0092B-C50C-407E-A947-70E740481C1C}">
+                  <a14:useLocalDpi xmlns:a14="http://schemas.microsoft.com/office/drawing/2010/main"/>
+                </a:ext>
+              </a:extLst>
+            </a:blip>
+            <a:stretch>
+              <a:fillRect/>
+            </a:stretch>
+          </p:blipFill>
+          <p:spPr>
+            <a:xfrm rot="0">
+              <a:off x="833755" y="1557020"/>
+              <a:ext cx="6535420" cy="3744595"/>
+            </a:xfrm>
+            <a:prstGeom prst="rect"/>
+            <a:noFill/>
+          </p:spPr>
+        </p:pic>
+        <p:pic>
+          <p:nvPicPr>
+            <p:cNvPr id="4" name="그림 9" descr="C:/Users/김디디/AppData/Roaming/PolarisOffice/ETemp/16700_13867888/fImage96522076500.png"/>
+            <p:cNvPicPr>
+              <a:picLocks noChangeAspect="1"/>
+            </p:cNvPicPr>
+            <p:nvPr/>
+          </p:nvPicPr>
+          <p:blipFill rotWithShape="1">
+            <a:blip r:embed="rId3" cstate="hqprint">
+              <a:extLst>
+                <a:ext uri="{28A0092B-C50C-407E-A947-70E740481C1C}">
+                  <a14:useLocalDpi xmlns:a14="http://schemas.microsoft.com/office/drawing/2010/main"/>
+                </a:ext>
+              </a:extLst>
+            </a:blip>
+            <a:stretch>
+              <a:fillRect/>
+            </a:stretch>
+          </p:blipFill>
+          <p:spPr>
+            <a:xfrm rot="0">
+              <a:off x="8051800" y="1259840"/>
+              <a:ext cx="3677920" cy="4697095"/>
+            </a:xfrm>
+            <a:prstGeom prst="rect"/>
+            <a:noFill/>
+          </p:spPr>
+        </p:pic>
+        <p:cxnSp>
+          <p:nvCxnSpPr>
+            <p:cNvPr id="5" name="도형 10"/>
+            <p:cNvCxnSpPr/>
+            <p:nvPr/>
+          </p:nvCxnSpPr>
+          <p:spPr>
+            <a:xfrm rot="0" flipV="1">
+              <a:off x="2950210" y="1466850"/>
+              <a:ext cx="5048250" cy="3360420"/>
+            </a:xfrm>
+            <a:prstGeom prst="bentConnector3">
+              <a:avLst>
+                <a:gd name="adj1" fmla="val 50000"/>
+              </a:avLst>
+            </a:prstGeom>
+            <a:ln w="57150" cap="rnd" cmpd="sng">
+              <a:prstDash val="solid"/>
+              <a:round/>
+              <a:tailEnd type="triangle" w="med" len="med"/>
+            </a:ln>
+          </p:spPr>
+          <p:style>
+            <a:lnRef idx="2">
+              <a:schemeClr val="accent2"/>
+            </a:lnRef>
+            <a:fillRef idx="0">
+              <a:schemeClr val="accent2"/>
+            </a:fillRef>
+            <a:effectRef idx="1">
+              <a:schemeClr val="accent2"/>
+            </a:effectRef>
+            <a:fontRef idx="minor">
+              <a:schemeClr val="tx1"/>
+            </a:fontRef>
+          </p:style>
+        </p:cxnSp>
+      </p:grpSp>
       <p:sp>
         <p:nvSpPr>
           <p:cNvPr id="6" name="Rect 0"/>
@@ -15866,93 +15910,108 @@
           </a:p>
         </p:txBody>
       </p:sp>
-      <p:pic>
-        <p:nvPicPr>
-          <p:cNvPr id="3" name="그림 16"/>
-          <p:cNvPicPr>
-            <a:picLocks noChangeAspect="1"/>
-          </p:cNvPicPr>
+      <p:grpSp>
+        <p:nvGrpSpPr>
+          <p:cNvPr id="7" name="그룹 2"/>
+          <p:cNvGrpSpPr/>
           <p:nvPr/>
-        </p:nvPicPr>
-        <p:blipFill rotWithShape="1">
-          <a:blip r:embed="rId2" cstate="print">
-            <a:extLst>
-              <a:ext uri="{28A0092B-C50C-407E-A947-70E740481C1C}">
-                <a14:useLocalDpi xmlns:a14="http://schemas.microsoft.com/office/drawing/2010/main" val="0"/>
-              </a:ext>
-            </a:extLst>
-          </a:blip>
-          <a:stretch>
-            <a:fillRect/>
-          </a:stretch>
-        </p:blipFill>
-        <p:spPr>
+        </p:nvGrpSpPr>
+        <p:grpSpPr>
           <a:xfrm rot="0">
-            <a:off x="493395" y="1516380"/>
-            <a:ext cx="3667760" cy="4677410"/>
-          </a:xfrm>
-          <a:prstGeom prst="rect"/>
-          <a:noFill/>
-        </p:spPr>
-      </p:pic>
-      <p:pic>
-        <p:nvPicPr>
-          <p:cNvPr id="4" name="그림 17"/>
-          <p:cNvPicPr>
-            <a:picLocks noChangeAspect="1"/>
-          </p:cNvPicPr>
-          <p:nvPr/>
-        </p:nvPicPr>
-        <p:blipFill rotWithShape="1">
-          <a:blip r:embed="rId3" cstate="print">
-            <a:extLst>
-              <a:ext uri="{28A0092B-C50C-407E-A947-70E740481C1C}">
-                <a14:useLocalDpi xmlns:a14="http://schemas.microsoft.com/office/drawing/2010/main" val="0"/>
-              </a:ext>
-            </a:extLst>
-          </a:blip>
-          <a:stretch>
-            <a:fillRect/>
-          </a:stretch>
-        </p:blipFill>
-        <p:spPr>
-          <a:xfrm rot="0">
-            <a:off x="4369435" y="1516380"/>
-            <a:ext cx="3658235" cy="4677410"/>
-          </a:xfrm>
-          <a:prstGeom prst="rect"/>
-          <a:noFill/>
-        </p:spPr>
-      </p:pic>
-      <p:pic>
-        <p:nvPicPr>
-          <p:cNvPr id="5" name="그림 18"/>
-          <p:cNvPicPr>
-            <a:picLocks noChangeAspect="1"/>
-          </p:cNvPicPr>
-          <p:nvPr/>
-        </p:nvPicPr>
-        <p:blipFill rotWithShape="1">
-          <a:blip r:embed="rId4" cstate="print">
-            <a:extLst>
-              <a:ext uri="{28A0092B-C50C-407E-A947-70E740481C1C}">
-                <a14:useLocalDpi xmlns:a14="http://schemas.microsoft.com/office/drawing/2010/main" val="0"/>
-              </a:ext>
-            </a:extLst>
-          </a:blip>
-          <a:stretch>
-            <a:fillRect/>
-          </a:stretch>
-        </p:blipFill>
-        <p:spPr>
-          <a:xfrm rot="0">
-            <a:off x="8286115" y="1513840"/>
-            <a:ext cx="3667760" cy="4648835"/>
-          </a:xfrm>
-          <a:prstGeom prst="rect"/>
-          <a:noFill/>
-        </p:spPr>
-      </p:pic>
+            <a:off x="493395" y="1513840"/>
+            <a:ext cx="11461115" cy="4680585"/>
+            <a:chOff x="493395" y="1513840"/>
+            <a:chExt cx="11461115" cy="4680585"/>
+          </a:xfrm>
+        </p:grpSpPr>
+        <p:pic>
+          <p:nvPicPr>
+            <p:cNvPr id="3" name="그림 16" descr="C:/Users/김디디/AppData/Roaming/PolarisOffice/ETemp/16700_13867888/fImage156322379169.png"/>
+            <p:cNvPicPr>
+              <a:picLocks noChangeAspect="1"/>
+            </p:cNvPicPr>
+            <p:nvPr/>
+          </p:nvPicPr>
+          <p:blipFill rotWithShape="1">
+            <a:blip r:embed="rId2" cstate="hqprint">
+              <a:extLst>
+                <a:ext uri="{28A0092B-C50C-407E-A947-70E740481C1C}">
+                  <a14:useLocalDpi xmlns:a14="http://schemas.microsoft.com/office/drawing/2010/main"/>
+                </a:ext>
+              </a:extLst>
+            </a:blip>
+            <a:stretch>
+              <a:fillRect/>
+            </a:stretch>
+          </p:blipFill>
+          <p:spPr>
+            <a:xfrm rot="0">
+              <a:off x="493395" y="1516380"/>
+              <a:ext cx="3668395" cy="4678045"/>
+            </a:xfrm>
+            <a:prstGeom prst="rect"/>
+            <a:noFill/>
+          </p:spPr>
+        </p:pic>
+        <p:pic>
+          <p:nvPicPr>
+            <p:cNvPr id="4" name="그림 17" descr="C:/Users/김디디/AppData/Roaming/PolarisOffice/ETemp/16700_13867888/fImage164372385724.png"/>
+            <p:cNvPicPr>
+              <a:picLocks noChangeAspect="1"/>
+            </p:cNvPicPr>
+            <p:nvPr/>
+          </p:nvPicPr>
+          <p:blipFill rotWithShape="1">
+            <a:blip r:embed="rId3" cstate="hqprint">
+              <a:extLst>
+                <a:ext uri="{28A0092B-C50C-407E-A947-70E740481C1C}">
+                  <a14:useLocalDpi xmlns:a14="http://schemas.microsoft.com/office/drawing/2010/main"/>
+                </a:ext>
+              </a:extLst>
+            </a:blip>
+            <a:stretch>
+              <a:fillRect/>
+            </a:stretch>
+          </p:blipFill>
+          <p:spPr>
+            <a:xfrm rot="0">
+              <a:off x="4369435" y="1516380"/>
+              <a:ext cx="3658870" cy="4678045"/>
+            </a:xfrm>
+            <a:prstGeom prst="rect"/>
+            <a:noFill/>
+          </p:spPr>
+        </p:pic>
+        <p:pic>
+          <p:nvPicPr>
+            <p:cNvPr id="5" name="그림 18" descr="C:/Users/김디디/AppData/Roaming/PolarisOffice/ETemp/16700_13867888/fImage165852391478.png"/>
+            <p:cNvPicPr>
+              <a:picLocks noChangeAspect="1"/>
+            </p:cNvPicPr>
+            <p:nvPr/>
+          </p:nvPicPr>
+          <p:blipFill rotWithShape="1">
+            <a:blip r:embed="rId4" cstate="hqprint">
+              <a:extLst>
+                <a:ext uri="{28A0092B-C50C-407E-A947-70E740481C1C}">
+                  <a14:useLocalDpi xmlns:a14="http://schemas.microsoft.com/office/drawing/2010/main"/>
+                </a:ext>
+              </a:extLst>
+            </a:blip>
+            <a:stretch>
+              <a:fillRect/>
+            </a:stretch>
+          </p:blipFill>
+          <p:spPr>
+            <a:xfrm rot="0">
+              <a:off x="8286115" y="1513840"/>
+              <a:ext cx="3668395" cy="4649470"/>
+            </a:xfrm>
+            <a:prstGeom prst="rect"/>
+            <a:noFill/>
+          </p:spPr>
+        </p:pic>
+      </p:grpSp>
       <p:sp>
         <p:nvSpPr>
           <p:cNvPr id="6" name="Rect 0"/>
